--- a/Presentacion.pptx
+++ b/Presentacion.pptx
@@ -14,19 +14,21 @@
     <p:sldId id="261" r:id="rId8"/>
     <p:sldId id="262" r:id="rId9"/>
     <p:sldId id="267" r:id="rId10"/>
-    <p:sldId id="263" r:id="rId11"/>
-    <p:sldId id="264" r:id="rId12"/>
-    <p:sldId id="265" r:id="rId13"/>
-    <p:sldId id="266" r:id="rId14"/>
-    <p:sldId id="268" r:id="rId15"/>
-    <p:sldId id="269" r:id="rId16"/>
-    <p:sldId id="270" r:id="rId17"/>
-    <p:sldId id="271" r:id="rId18"/>
-    <p:sldId id="272" r:id="rId19"/>
-    <p:sldId id="273" r:id="rId20"/>
-    <p:sldId id="274" r:id="rId21"/>
-    <p:sldId id="275" r:id="rId22"/>
-    <p:sldId id="276" r:id="rId23"/>
+    <p:sldId id="279" r:id="rId11"/>
+    <p:sldId id="278" r:id="rId12"/>
+    <p:sldId id="263" r:id="rId13"/>
+    <p:sldId id="264" r:id="rId14"/>
+    <p:sldId id="265" r:id="rId15"/>
+    <p:sldId id="266" r:id="rId16"/>
+    <p:sldId id="268" r:id="rId17"/>
+    <p:sldId id="269" r:id="rId18"/>
+    <p:sldId id="270" r:id="rId19"/>
+    <p:sldId id="271" r:id="rId20"/>
+    <p:sldId id="272" r:id="rId21"/>
+    <p:sldId id="273" r:id="rId22"/>
+    <p:sldId id="274" r:id="rId23"/>
+    <p:sldId id="275" r:id="rId24"/>
+    <p:sldId id="276" r:id="rId25"/>
   </p:sldIdLst>
   <p:sldSz cx="9144000" cy="6858000" type="screen4x3"/>
   <p:notesSz cx="6858000" cy="9144000"/>
@@ -310,7 +312,7 @@
             <a:fld id="{2F0F56E8-EC89-42CD-8E85-48CE9126F465}" type="datetimeFigureOut">
               <a:rPr lang="es-ES" smtClean="0"/>
               <a:pPr/>
-              <a:t>30/08/2024</a:t>
+              <a:t>02/09/2024</a:t>
             </a:fld>
             <a:endParaRPr lang="es-ES" dirty="0"/>
           </a:p>
@@ -477,7 +479,7 @@
             <a:fld id="{2F0F56E8-EC89-42CD-8E85-48CE9126F465}" type="datetimeFigureOut">
               <a:rPr lang="es-ES" smtClean="0"/>
               <a:pPr/>
-              <a:t>30/08/2024</a:t>
+              <a:t>02/09/2024</a:t>
             </a:fld>
             <a:endParaRPr lang="es-ES" dirty="0"/>
           </a:p>
@@ -654,7 +656,7 @@
             <a:fld id="{2F0F56E8-EC89-42CD-8E85-48CE9126F465}" type="datetimeFigureOut">
               <a:rPr lang="es-ES" smtClean="0"/>
               <a:pPr/>
-              <a:t>30/08/2024</a:t>
+              <a:t>02/09/2024</a:t>
             </a:fld>
             <a:endParaRPr lang="es-ES" dirty="0"/>
           </a:p>
@@ -821,7 +823,7 @@
             <a:fld id="{2F0F56E8-EC89-42CD-8E85-48CE9126F465}" type="datetimeFigureOut">
               <a:rPr lang="es-ES" smtClean="0"/>
               <a:pPr/>
-              <a:t>30/08/2024</a:t>
+              <a:t>02/09/2024</a:t>
             </a:fld>
             <a:endParaRPr lang="es-ES" dirty="0"/>
           </a:p>
@@ -1064,7 +1066,7 @@
             <a:fld id="{2F0F56E8-EC89-42CD-8E85-48CE9126F465}" type="datetimeFigureOut">
               <a:rPr lang="es-ES" smtClean="0"/>
               <a:pPr/>
-              <a:t>30/08/2024</a:t>
+              <a:t>02/09/2024</a:t>
             </a:fld>
             <a:endParaRPr lang="es-ES" dirty="0"/>
           </a:p>
@@ -1349,7 +1351,7 @@
             <a:fld id="{2F0F56E8-EC89-42CD-8E85-48CE9126F465}" type="datetimeFigureOut">
               <a:rPr lang="es-ES" smtClean="0"/>
               <a:pPr/>
-              <a:t>30/08/2024</a:t>
+              <a:t>02/09/2024</a:t>
             </a:fld>
             <a:endParaRPr lang="es-ES" dirty="0"/>
           </a:p>
@@ -1768,7 +1770,7 @@
             <a:fld id="{2F0F56E8-EC89-42CD-8E85-48CE9126F465}" type="datetimeFigureOut">
               <a:rPr lang="es-ES" smtClean="0"/>
               <a:pPr/>
-              <a:t>30/08/2024</a:t>
+              <a:t>02/09/2024</a:t>
             </a:fld>
             <a:endParaRPr lang="es-ES" dirty="0"/>
           </a:p>
@@ -1883,7 +1885,7 @@
             <a:fld id="{2F0F56E8-EC89-42CD-8E85-48CE9126F465}" type="datetimeFigureOut">
               <a:rPr lang="es-ES" smtClean="0"/>
               <a:pPr/>
-              <a:t>30/08/2024</a:t>
+              <a:t>02/09/2024</a:t>
             </a:fld>
             <a:endParaRPr lang="es-ES" dirty="0"/>
           </a:p>
@@ -1975,7 +1977,7 @@
             <a:fld id="{2F0F56E8-EC89-42CD-8E85-48CE9126F465}" type="datetimeFigureOut">
               <a:rPr lang="es-ES" smtClean="0"/>
               <a:pPr/>
-              <a:t>30/08/2024</a:t>
+              <a:t>02/09/2024</a:t>
             </a:fld>
             <a:endParaRPr lang="es-ES" dirty="0"/>
           </a:p>
@@ -2249,7 +2251,7 @@
             <a:fld id="{2F0F56E8-EC89-42CD-8E85-48CE9126F465}" type="datetimeFigureOut">
               <a:rPr lang="es-ES" smtClean="0"/>
               <a:pPr/>
-              <a:t>30/08/2024</a:t>
+              <a:t>02/09/2024</a:t>
             </a:fld>
             <a:endParaRPr lang="es-ES" dirty="0"/>
           </a:p>
@@ -2499,7 +2501,7 @@
             <a:fld id="{2F0F56E8-EC89-42CD-8E85-48CE9126F465}" type="datetimeFigureOut">
               <a:rPr lang="es-ES" smtClean="0"/>
               <a:pPr/>
-              <a:t>30/08/2024</a:t>
+              <a:t>02/09/2024</a:t>
             </a:fld>
             <a:endParaRPr lang="es-ES" dirty="0"/>
           </a:p>
@@ -2709,7 +2711,7 @@
             <a:fld id="{2F0F56E8-EC89-42CD-8E85-48CE9126F465}" type="datetimeFigureOut">
               <a:rPr lang="es-ES" smtClean="0"/>
               <a:pPr/>
-              <a:t>30/08/2024</a:t>
+              <a:t>02/09/2024</a:t>
             </a:fld>
             <a:endParaRPr lang="es-ES" dirty="0"/>
           </a:p>
@@ -3219,6 +3221,13 @@
   <p:clrMapOvr>
     <a:masterClrMapping/>
   </p:clrMapOvr>
+  <p:timing>
+    <p:tnLst>
+      <p:par>
+        <p:cTn id="1" dur="indefinite" restart="never" nodeType="tmRoot"/>
+      </p:par>
+    </p:tnLst>
+  </p:timing>
 </p:sld>
 </file>
 
@@ -3277,52 +3286,135 @@
         </p:nvSpPr>
         <p:spPr>
           <a:xfrm>
-            <a:off x="1285852" y="0"/>
-            <a:ext cx="8229600" cy="1143000"/>
+            <a:off x="928662" y="0"/>
+            <a:ext cx="7586690" cy="1143000"/>
           </a:xfrm>
         </p:spPr>
         <p:txBody>
           <a:bodyPr>
-            <a:normAutofit/>
+            <a:normAutofit fontScale="90000"/>
           </a:bodyPr>
           <a:lstStyle/>
           <a:p>
             <a:r>
-              <a:rPr lang="es-ES" sz="4000" b="1" dirty="0" smtClean="0"/>
-              <a:t>Cambio de voto por lengua</a:t>
-            </a:r>
-            <a:endParaRPr lang="es-ES" sz="4000" b="1" dirty="0"/>
-          </a:p>
-        </p:txBody>
-      </p:sp>
-      <p:pic>
-        <p:nvPicPr>
-          <p:cNvPr id="5" name="4 Marcador de contenido" descr="cambio_voto_lengua.png"/>
-          <p:cNvPicPr>
-            <a:picLocks noGrp="1" noChangeAspect="1"/>
-          </p:cNvPicPr>
+              <a:rPr lang="es-ES" b="1" dirty="0" smtClean="0"/>
+              <a:t>Interpretación del voto por lengua (2)</a:t>
+            </a:r>
+            <a:endParaRPr lang="es-ES" b="1" dirty="0"/>
+          </a:p>
+        </p:txBody>
+      </p:sp>
+      <p:sp>
+        <p:nvSpPr>
+          <p:cNvPr id="3" name="2 Marcador de contenido"/>
+          <p:cNvSpPr>
+            <a:spLocks noGrp="1"/>
+          </p:cNvSpPr>
           <p:nvPr>
             <p:ph idx="1"/>
           </p:nvPr>
-        </p:nvPicPr>
-        <p:blipFill>
-          <a:blip r:embed="rId3"/>
-          <a:stretch>
-            <a:fillRect/>
-          </a:stretch>
-        </p:blipFill>
-        <p:spPr>
-          <a:xfrm>
-            <a:off x="714348" y="1142984"/>
-            <a:ext cx="9429815" cy="5214974"/>
-          </a:xfrm>
-        </p:spPr>
-      </p:pic>
+        </p:nvSpPr>
+        <p:spPr>
+          <a:xfrm>
+            <a:off x="571472" y="1928802"/>
+            <a:ext cx="8229600" cy="4525963"/>
+          </a:xfrm>
+        </p:spPr>
+        <p:txBody>
+          <a:bodyPr>
+            <a:normAutofit fontScale="85000" lnSpcReduction="20000"/>
+          </a:bodyPr>
+          <a:lstStyle/>
+          <a:p>
+            <a:pPr algn="just">
+              <a:buNone/>
+            </a:pPr>
+            <a:r>
+              <a:rPr lang="es-ES" b="1" dirty="0" smtClean="0"/>
+              <a:t>	ECP23</a:t>
+            </a:r>
+            <a:r>
+              <a:rPr lang="es-ES" dirty="0" smtClean="0"/>
+              <a:t>: Los mejores resultados se dan en zonas mixtas y catalanoparlantes.</a:t>
+            </a:r>
+          </a:p>
+          <a:p>
+            <a:pPr algn="just">
+              <a:buNone/>
+            </a:pPr>
+            <a:r>
+              <a:rPr lang="es-ES" dirty="0" smtClean="0"/>
+              <a:t/>
+            </a:r>
+            <a:br>
+              <a:rPr lang="es-ES" dirty="0" smtClean="0"/>
+            </a:br>
+            <a:r>
+              <a:rPr lang="es-ES" b="1" dirty="0" smtClean="0"/>
+              <a:t>ACTIVEM23</a:t>
+            </a:r>
+            <a:r>
+              <a:rPr lang="es-ES" dirty="0" smtClean="0"/>
+              <a:t>: Cantidad moderada de votos en zonas mixtas y castellanoparlantes, algo peores en zonas de habla catalana.</a:t>
+            </a:r>
+          </a:p>
+          <a:p>
+            <a:pPr algn="just">
+              <a:buNone/>
+            </a:pPr>
+            <a:r>
+              <a:rPr lang="es-ES" b="1" dirty="0" smtClean="0"/>
+              <a:t/>
+            </a:r>
+            <a:br>
+              <a:rPr lang="es-ES" b="1" dirty="0" smtClean="0"/>
+            </a:br>
+            <a:r>
+              <a:rPr lang="es-ES" b="1" dirty="0" smtClean="0"/>
+              <a:t>ARA-PL23</a:t>
+            </a:r>
+            <a:r>
+              <a:rPr lang="es-ES" dirty="0" smtClean="0"/>
+              <a:t>: Distribución bastante uniforme en todas las secciones, algo peores en zonas de habla catalana.</a:t>
+            </a:r>
+          </a:p>
+          <a:p>
+            <a:pPr algn="just">
+              <a:buNone/>
+            </a:pPr>
+            <a:r>
+              <a:rPr lang="es-ES" dirty="0" smtClean="0"/>
+              <a:t/>
+            </a:r>
+            <a:br>
+              <a:rPr lang="es-ES" dirty="0" smtClean="0"/>
+            </a:br>
+            <a:r>
+              <a:rPr lang="es-ES" b="1" dirty="0" smtClean="0"/>
+              <a:t>VOX23</a:t>
+            </a:r>
+            <a:r>
+              <a:rPr lang="es-ES" dirty="0" smtClean="0"/>
+              <a:t>: Muy desigual, desempeño mucho mejor en las zonas de habla castellana.</a:t>
+            </a:r>
+          </a:p>
+          <a:p>
+            <a:endParaRPr lang="es-ES" dirty="0"/>
+          </a:p>
+        </p:txBody>
+      </p:sp>
     </p:spTree>
   </p:cSld>
   <p:clrMapOvr>
     <a:masterClrMapping/>
   </p:clrMapOvr>
+  <p:timing>
+    <p:tnLst>
+      <p:par>
+        <p:cTn id="1" dur="indefinite" restart="never" nodeType="tmRoot"/>
+      </p:par>
+    </p:tnLst>
+  </p:timing>
 </p:sld>
 </file>
 
@@ -3379,88 +3471,107 @@
             <p:ph type="title"/>
           </p:nvPr>
         </p:nvSpPr>
-        <p:spPr>
-          <a:xfrm>
-            <a:off x="457200" y="274638"/>
-            <a:ext cx="9686964" cy="1143000"/>
-          </a:xfrm>
-        </p:spPr>
+        <p:spPr/>
         <p:txBody>
           <a:bodyPr>
-            <a:normAutofit fontScale="90000"/>
+            <a:normAutofit/>
           </a:bodyPr>
           <a:lstStyle/>
           <a:p>
             <a:r>
+              <a:rPr lang="es-ES" sz="4000" b="1" dirty="0" smtClean="0"/>
+              <a:t>Conclusiones del voto por lengua</a:t>
+            </a:r>
+            <a:endParaRPr lang="es-ES" sz="4000" b="1" dirty="0"/>
+          </a:p>
+        </p:txBody>
+      </p:sp>
+      <p:sp>
+        <p:nvSpPr>
+          <p:cNvPr id="3" name="2 Marcador de contenido"/>
+          <p:cNvSpPr>
+            <a:spLocks noGrp="1"/>
+          </p:cNvSpPr>
+          <p:nvPr>
+            <p:ph idx="1"/>
+          </p:nvPr>
+        </p:nvSpPr>
+        <p:spPr>
+          <a:xfrm>
+            <a:off x="428596" y="1285860"/>
+            <a:ext cx="8715404" cy="4525963"/>
+          </a:xfrm>
+        </p:spPr>
+        <p:txBody>
+          <a:bodyPr>
+            <a:normAutofit fontScale="55000" lnSpcReduction="20000"/>
+          </a:bodyPr>
+          <a:lstStyle/>
+          <a:p>
+            <a:pPr>
+              <a:buNone/>
+            </a:pPr>
+            <a:r>
               <a:rPr lang="es-ES" b="1" dirty="0" smtClean="0"/>
-              <a:t>Interpretación del cambio del voto por lengua</a:t>
-            </a:r>
-            <a:endParaRPr lang="es-ES" b="1" dirty="0"/>
-          </a:p>
-        </p:txBody>
-      </p:sp>
-      <p:sp>
-        <p:nvSpPr>
-          <p:cNvPr id="3" name="2 Marcador de contenido"/>
-          <p:cNvSpPr>
-            <a:spLocks noGrp="1"/>
-          </p:cNvSpPr>
-          <p:nvPr>
-            <p:ph idx="1"/>
-          </p:nvPr>
-        </p:nvSpPr>
-        <p:spPr>
-          <a:xfrm>
-            <a:off x="500034" y="1857364"/>
-            <a:ext cx="9615526" cy="4525963"/>
-          </a:xfrm>
-        </p:spPr>
-        <p:txBody>
-          <a:bodyPr/>
-          <a:lstStyle/>
-          <a:p>
-            <a:r>
-              <a:rPr lang="es-ES" b="1" dirty="0" err="1" smtClean="0"/>
-              <a:t>Junts</a:t>
-            </a:r>
-            <a:r>
+              <a:t/>
+            </a:r>
+            <a:br>
               <a:rPr lang="es-ES" b="1" dirty="0" smtClean="0"/>
-              <a:t> y ERC</a:t>
-            </a:r>
-            <a:r>
-              <a:rPr lang="es-ES" dirty="0" smtClean="0"/>
-              <a:t>: pierden votos en zonas catalanoparlantes y mixtas, aunque la diferencia no es significativa</a:t>
-            </a:r>
-          </a:p>
-          <a:p>
-            <a:r>
-              <a:rPr lang="es-ES" b="1" dirty="0" smtClean="0"/>
-              <a:t>PSC</a:t>
-            </a:r>
-            <a:r>
-              <a:rPr lang="es-ES" dirty="0" smtClean="0"/>
-              <a:t>: gana más votos en zonas castellanoparlantes y mixtas, aunque la diferencia no es significativa.</a:t>
-            </a:r>
-          </a:p>
-          <a:p>
-            <a:r>
-              <a:rPr lang="es-ES" b="1" dirty="0" smtClean="0"/>
-              <a:t>ERC</a:t>
-            </a:r>
-            <a:r>
-              <a:rPr lang="es-ES" dirty="0" smtClean="0"/>
-              <a:t>: pierde votos en todas las zonas.</a:t>
-            </a:r>
-          </a:p>
-          <a:p>
-            <a:r>
-              <a:rPr lang="es-ES" b="1" dirty="0" smtClean="0"/>
-              <a:t>CUP</a:t>
-            </a:r>
-            <a:r>
-              <a:rPr lang="es-ES" dirty="0" smtClean="0"/>
-              <a:t>: gana votos sobre todo en zonas catalanoparlantes, y la diferencia es significativa con respecto a las zonas castellanoparlantes.</a:t>
-            </a:r>
+            </a:br>
+            <a:endParaRPr lang="es-ES" b="1" dirty="0" smtClean="0"/>
+          </a:p>
+          <a:p>
+            <a:pPr algn="just">
+              <a:buNone/>
+            </a:pPr>
+            <a:r>
+              <a:rPr lang="es-ES" sz="4400" dirty="0" smtClean="0"/>
+              <a:t/>
+            </a:r>
+            <a:br>
+              <a:rPr lang="es-ES" sz="4400" dirty="0" smtClean="0"/>
+            </a:br>
+            <a:r>
+              <a:rPr lang="es-ES" sz="4400" dirty="0" smtClean="0"/>
+              <a:t>Partidos nacionalistas catalanes (JUNTS, ERC, CUP) tienen un apoyo más fuerte en las secciones con predominio del catalán o mixto, y menos en las de predominio castellano.</a:t>
+            </a:r>
+          </a:p>
+          <a:p>
+            <a:pPr algn="just">
+              <a:buNone/>
+            </a:pPr>
+            <a:r>
+              <a:rPr lang="es-ES" sz="4400" dirty="0" smtClean="0"/>
+              <a:t/>
+            </a:r>
+            <a:br>
+              <a:rPr lang="es-ES" sz="4400" dirty="0" smtClean="0"/>
+            </a:br>
+            <a:r>
+              <a:rPr lang="es-ES" sz="4400" dirty="0" smtClean="0"/>
+              <a:t>PSC y VOX obtienen más votos en las secciones donde predomina el castellano, lo que refleja la demografía lingüística y su influencia en las preferencias electorales.</a:t>
+            </a:r>
+          </a:p>
+          <a:p>
+            <a:pPr algn="just">
+              <a:buNone/>
+            </a:pPr>
+            <a:r>
+              <a:rPr lang="es-ES" sz="4400" dirty="0" smtClean="0"/>
+              <a:t/>
+            </a:r>
+            <a:br>
+              <a:rPr lang="es-ES" sz="4400" dirty="0" smtClean="0"/>
+            </a:br>
+            <a:r>
+              <a:rPr lang="es-ES" sz="4400" dirty="0" smtClean="0"/>
+              <a:t>Partidos como ECP y ACTIVEM muestran una distribución más equilibrada en las diferentes zonas lingüísticas, aunque con ligeras variaciones.</a:t>
+            </a:r>
+          </a:p>
+          <a:p>
+            <a:endParaRPr lang="es-ES" sz="2800" dirty="0" smtClean="0"/>
+          </a:p>
+          <a:p>
             <a:endParaRPr lang="es-ES" dirty="0"/>
           </a:p>
         </p:txBody>
@@ -3470,6 +3581,13 @@
   <p:clrMapOvr>
     <a:masterClrMapping/>
   </p:clrMapOvr>
+  <p:timing>
+    <p:tnLst>
+      <p:par>
+        <p:cTn id="1" dur="indefinite" restart="never" nodeType="tmRoot"/>
+      </p:par>
+    </p:tnLst>
+  </p:timing>
 </p:sld>
 </file>
 
@@ -3528,75 +3646,59 @@
         </p:nvSpPr>
         <p:spPr>
           <a:xfrm>
-            <a:off x="457200" y="274638"/>
-            <a:ext cx="8972584" cy="1143000"/>
-          </a:xfrm>
-        </p:spPr>
-        <p:txBody>
-          <a:bodyPr/>
-          <a:lstStyle/>
-          <a:p>
-            <a:r>
-              <a:rPr lang="es-ES" b="1" dirty="0" smtClean="0"/>
-              <a:t>Análisis de regresión multinivel</a:t>
-            </a:r>
-            <a:endParaRPr lang="es-ES" b="1" dirty="0"/>
-          </a:p>
-        </p:txBody>
-      </p:sp>
-      <p:sp>
-        <p:nvSpPr>
-          <p:cNvPr id="3" name="2 Marcador de contenido"/>
-          <p:cNvSpPr>
-            <a:spLocks noGrp="1"/>
-          </p:cNvSpPr>
+            <a:off x="1285852" y="0"/>
+            <a:ext cx="8229600" cy="1143000"/>
+          </a:xfrm>
+        </p:spPr>
+        <p:txBody>
+          <a:bodyPr>
+            <a:normAutofit/>
+          </a:bodyPr>
+          <a:lstStyle/>
+          <a:p>
+            <a:r>
+              <a:rPr lang="es-ES" sz="4000" b="1" dirty="0" smtClean="0"/>
+              <a:t>Cambio de voto por lengua</a:t>
+            </a:r>
+            <a:endParaRPr lang="es-ES" sz="4000" b="1" dirty="0"/>
+          </a:p>
+        </p:txBody>
+      </p:sp>
+      <p:pic>
+        <p:nvPicPr>
+          <p:cNvPr id="5" name="4 Marcador de contenido" descr="cambio_voto_lengua.png"/>
+          <p:cNvPicPr>
+            <a:picLocks noGrp="1" noChangeAspect="1"/>
+          </p:cNvPicPr>
           <p:nvPr>
             <p:ph idx="1"/>
           </p:nvPr>
-        </p:nvSpPr>
-        <p:spPr>
-          <a:xfrm>
-            <a:off x="571472" y="1285860"/>
-            <a:ext cx="9429816" cy="4883153"/>
-          </a:xfrm>
-        </p:spPr>
-        <p:txBody>
-          <a:bodyPr/>
-          <a:lstStyle/>
-          <a:p>
-            <a:r>
-              <a:rPr lang="es-ES" dirty="0" smtClean="0"/>
-              <a:t>Con la intención de capturar la variabilidad entre secciones censales, se ha intentado llevar a cabo un análisis de regresión mediante diversos modelos, tras una </a:t>
-            </a:r>
-            <a:r>
-              <a:rPr lang="es-ES" dirty="0" err="1" smtClean="0"/>
-              <a:t>clusterización</a:t>
-            </a:r>
-            <a:r>
-              <a:rPr lang="es-ES" dirty="0" smtClean="0"/>
-              <a:t> a partir de las variables RMH y lengua.</a:t>
-            </a:r>
-          </a:p>
-          <a:p>
-            <a:pPr>
-              <a:buNone/>
-            </a:pPr>
-            <a:endParaRPr lang="es-ES" dirty="0" smtClean="0"/>
-          </a:p>
-          <a:p>
-            <a:r>
-              <a:rPr lang="es-ES" dirty="0" smtClean="0"/>
-              <a:t>Tras desechar varios de ellos, este es el que ha proporcionado unos resultados razonablemente aceptables.</a:t>
-            </a:r>
-            <a:endParaRPr lang="es-ES" dirty="0"/>
-          </a:p>
-        </p:txBody>
-      </p:sp>
+        </p:nvPicPr>
+        <p:blipFill>
+          <a:blip r:embed="rId3"/>
+          <a:stretch>
+            <a:fillRect/>
+          </a:stretch>
+        </p:blipFill>
+        <p:spPr>
+          <a:xfrm>
+            <a:off x="714349" y="1142984"/>
+            <a:ext cx="8072493" cy="5214974"/>
+          </a:xfrm>
+        </p:spPr>
+      </p:pic>
     </p:spTree>
   </p:cSld>
   <p:clrMapOvr>
     <a:masterClrMapping/>
   </p:clrMapOvr>
+  <p:timing>
+    <p:tnLst>
+      <p:par>
+        <p:cTn id="1" dur="indefinite" restart="never" nodeType="tmRoot"/>
+      </p:par>
+    </p:tnLst>
+  </p:timing>
 </p:sld>
 </file>
 
@@ -3656,47 +3758,23 @@
         <p:spPr>
           <a:xfrm>
             <a:off x="457200" y="274638"/>
-            <a:ext cx="9615526" cy="1143000"/>
+            <a:ext cx="8686800" cy="1143000"/>
           </a:xfrm>
         </p:spPr>
         <p:txBody>
           <a:bodyPr>
-            <a:normAutofit/>
+            <a:normAutofit fontScale="90000"/>
           </a:bodyPr>
           <a:lstStyle/>
           <a:p>
             <a:r>
-              <a:rPr lang="es-ES" sz="4000" b="1" dirty="0" smtClean="0"/>
-              <a:t>Resultados del análisis de regresión</a:t>
-            </a:r>
-            <a:endParaRPr lang="es-ES" sz="4000" b="1" dirty="0"/>
-          </a:p>
-        </p:txBody>
-      </p:sp>
-      <p:pic>
-        <p:nvPicPr>
-          <p:cNvPr id="5" name="4 Imagen" descr="modelo_cup.png"/>
-          <p:cNvPicPr>
-            <a:picLocks noChangeAspect="1"/>
-          </p:cNvPicPr>
-          <p:nvPr/>
-        </p:nvPicPr>
-        <p:blipFill>
-          <a:blip r:embed="rId3"/>
-          <a:stretch>
-            <a:fillRect/>
-          </a:stretch>
-        </p:blipFill>
-        <p:spPr>
-          <a:xfrm>
-            <a:off x="1428728" y="2571744"/>
-            <a:ext cx="7715272" cy="3842816"/>
-          </a:xfrm>
-          <a:prstGeom prst="rect">
-            <a:avLst/>
-          </a:prstGeom>
-        </p:spPr>
-      </p:pic>
+              <a:rPr lang="es-ES" b="1" dirty="0" smtClean="0"/>
+              <a:t>Interpretación del cambio del voto por lengua</a:t>
+            </a:r>
+            <a:endParaRPr lang="es-ES" b="1" dirty="0"/>
+          </a:p>
+        </p:txBody>
+      </p:sp>
       <p:sp>
         <p:nvSpPr>
           <p:cNvPr id="3" name="2 Marcador de contenido"/>
@@ -3709,27 +3787,63 @@
         </p:nvSpPr>
         <p:spPr>
           <a:xfrm>
-            <a:off x="571472" y="1285860"/>
-            <a:ext cx="9615526" cy="4525963"/>
+            <a:off x="500034" y="1500174"/>
+            <a:ext cx="8286808" cy="4525963"/>
           </a:xfrm>
         </p:spPr>
         <p:txBody>
           <a:bodyPr>
-            <a:normAutofit/>
+            <a:normAutofit fontScale="92500"/>
           </a:bodyPr>
           <a:lstStyle/>
           <a:p>
-            <a:r>
-              <a:rPr lang="es-ES" sz="2400" dirty="0" smtClean="0"/>
-              <a:t>El modelo para la CUP ha resultado ser el más fiable. Las variables escogidas han sido RMH, lengua, PES, JUNTS23 y ERC23.</a:t>
-            </a:r>
-          </a:p>
-          <a:p>
-            <a:r>
-              <a:rPr lang="es-ES" sz="2400" dirty="0" smtClean="0"/>
-              <a:t>Aunque dista de ser perfecto, señala una tendencia.</a:t>
-            </a:r>
-            <a:endParaRPr lang="es-ES" sz="2400" dirty="0"/>
+            <a:pPr algn="just"/>
+            <a:r>
+              <a:rPr lang="es-ES" b="1" dirty="0" err="1" smtClean="0"/>
+              <a:t>Junts</a:t>
+            </a:r>
+            <a:r>
+              <a:rPr lang="es-ES" b="1" dirty="0" smtClean="0"/>
+              <a:t> y ERC</a:t>
+            </a:r>
+            <a:r>
+              <a:rPr lang="es-ES" dirty="0" smtClean="0"/>
+              <a:t>: pierden votos en zonas catalanoparlantes y mixtas, aunque la diferencia no es significativa</a:t>
+            </a:r>
+          </a:p>
+          <a:p>
+            <a:pPr algn="just"/>
+            <a:r>
+              <a:rPr lang="es-ES" b="1" dirty="0" smtClean="0"/>
+              <a:t>PSC</a:t>
+            </a:r>
+            <a:r>
+              <a:rPr lang="es-ES" dirty="0" smtClean="0"/>
+              <a:t>: gana más votos en zonas castellanoparlantes y mixtas, aunque la diferencia no es significativa.</a:t>
+            </a:r>
+          </a:p>
+          <a:p>
+            <a:pPr algn="just"/>
+            <a:r>
+              <a:rPr lang="es-ES" b="1" dirty="0" smtClean="0"/>
+              <a:t>ERC</a:t>
+            </a:r>
+            <a:r>
+              <a:rPr lang="es-ES" dirty="0" smtClean="0"/>
+              <a:t>: pierde votos en todas las zonas.</a:t>
+            </a:r>
+          </a:p>
+          <a:p>
+            <a:pPr algn="just"/>
+            <a:r>
+              <a:rPr lang="es-ES" b="1" dirty="0" smtClean="0"/>
+              <a:t>CUP</a:t>
+            </a:r>
+            <a:r>
+              <a:rPr lang="es-ES" dirty="0" smtClean="0"/>
+              <a:t>: gana votos sobre todo en zonas catalanoparlantes, y la diferencia es significativa con respecto a las zonas castellanoparlantes.</a:t>
+            </a:r>
+            <a:endParaRPr lang="es-ES" dirty="0"/>
           </a:p>
         </p:txBody>
       </p:sp>
@@ -3738,6 +3852,13 @@
   <p:clrMapOvr>
     <a:masterClrMapping/>
   </p:clrMapOvr>
+  <p:timing>
+    <p:tnLst>
+      <p:par>
+        <p:cTn id="1" dur="indefinite" restart="never" nodeType="tmRoot"/>
+      </p:par>
+    </p:tnLst>
+  </p:timing>
 </p:sld>
 </file>
 
@@ -3796,87 +3917,67 @@
         </p:nvSpPr>
         <p:spPr>
           <a:xfrm>
-            <a:off x="714348" y="500042"/>
-            <a:ext cx="8229600" cy="1214438"/>
-          </a:xfrm>
-        </p:spPr>
-        <p:txBody>
-          <a:bodyPr>
-            <a:normAutofit fontScale="90000"/>
-          </a:bodyPr>
+            <a:off x="457200" y="274638"/>
+            <a:ext cx="8972584" cy="1143000"/>
+          </a:xfrm>
+        </p:spPr>
+        <p:txBody>
+          <a:bodyPr/>
           <a:lstStyle/>
           <a:p>
             <a:r>
               <a:rPr lang="es-ES" b="1" dirty="0" smtClean="0"/>
-              <a:t>Análisis de la transferencia de votos mediante inferencia ecológica</a:t>
-            </a:r>
+              <a:t>Análisis de regresión multinivel</a:t>
+            </a:r>
+            <a:endParaRPr lang="es-ES" b="1" dirty="0"/>
+          </a:p>
+        </p:txBody>
+      </p:sp>
+      <p:sp>
+        <p:nvSpPr>
+          <p:cNvPr id="3" name="2 Marcador de contenido"/>
+          <p:cNvSpPr>
+            <a:spLocks noGrp="1"/>
+          </p:cNvSpPr>
+          <p:nvPr>
+            <p:ph idx="1"/>
+          </p:nvPr>
+        </p:nvSpPr>
+        <p:spPr>
+          <a:xfrm>
+            <a:off x="571472" y="1285860"/>
+            <a:ext cx="8572528" cy="4883153"/>
+          </a:xfrm>
+        </p:spPr>
+        <p:txBody>
+          <a:bodyPr/>
+          <a:lstStyle/>
+          <a:p>
             <a:r>
               <a:rPr lang="es-ES" dirty="0" smtClean="0"/>
-              <a:t/>
-            </a:r>
-            <a:br>
+              <a:t>Con la intención de capturar la variabilidad entre secciones censales, se ha intentado llevar a cabo un análisis de regresión mediante diversos modelos, tras una </a:t>
+            </a:r>
+            <a:r>
+              <a:rPr lang="es-ES" dirty="0" err="1" smtClean="0"/>
+              <a:t>clusterización</a:t>
+            </a:r>
+            <a:r>
               <a:rPr lang="es-ES" dirty="0" smtClean="0"/>
-            </a:br>
+              <a:t> a partir de las variables RMH y lengua.</a:t>
+            </a:r>
+          </a:p>
+          <a:p>
+            <a:pPr>
+              <a:buNone/>
+            </a:pPr>
+            <a:endParaRPr lang="es-ES" dirty="0" smtClean="0"/>
+          </a:p>
+          <a:p>
+            <a:r>
+              <a:rPr lang="es-ES" dirty="0" smtClean="0"/>
+              <a:t>Tras desechar varios de ellos, este es el que ha proporcionado unos resultados razonablemente aceptables.</a:t>
+            </a:r>
             <a:endParaRPr lang="es-ES" dirty="0"/>
-          </a:p>
-        </p:txBody>
-      </p:sp>
-      <p:sp>
-        <p:nvSpPr>
-          <p:cNvPr id="3" name="2 Marcador de contenido"/>
-          <p:cNvSpPr>
-            <a:spLocks noGrp="1"/>
-          </p:cNvSpPr>
-          <p:nvPr>
-            <p:ph idx="1"/>
-          </p:nvPr>
-        </p:nvSpPr>
-        <p:spPr/>
-        <p:txBody>
-          <a:bodyPr>
-            <a:normAutofit fontScale="92500" lnSpcReduction="10000"/>
-          </a:bodyPr>
-          <a:lstStyle/>
-          <a:p>
-            <a:r>
-              <a:rPr lang="es-ES" sz="2800" dirty="0" smtClean="0"/>
-              <a:t>La inferencia ecológica es un método estadístico utilizado para deducir comportamientos individuales a partir de datos agregados. En contextos electorales, permite estimar cómo diferentes grupos de votantes (por ejemplo, por sección censal) cambiaron su voto entre dos elecciones, aunque solo se disponga de datos a nivel agregado y no individual.</a:t>
-            </a:r>
-          </a:p>
-          <a:p>
-            <a:endParaRPr lang="es-ES" sz="2800" dirty="0" smtClean="0"/>
-          </a:p>
-          <a:p>
-            <a:endParaRPr lang="es-ES" sz="2800" dirty="0" smtClean="0"/>
-          </a:p>
-          <a:p>
-            <a:r>
-              <a:rPr lang="es-ES" sz="2800" dirty="0" smtClean="0"/>
-              <a:t>Tras probar distintos modelos, se ha utilizado la librería </a:t>
-            </a:r>
-            <a:r>
-              <a:rPr lang="es-ES" sz="2800" dirty="0" err="1" smtClean="0"/>
-              <a:t>lphom</a:t>
-            </a:r>
-            <a:r>
-              <a:rPr lang="es-ES" sz="2800" dirty="0" smtClean="0"/>
-              <a:t>, creada por </a:t>
-            </a:r>
-            <a:r>
-              <a:rPr lang="es-ES" sz="2800" dirty="0" err="1" smtClean="0"/>
-              <a:t>Jose</a:t>
-            </a:r>
-            <a:r>
-              <a:rPr lang="es-ES" sz="2800" dirty="0" smtClean="0"/>
-              <a:t> M. Pavía y Rafael Romero.</a:t>
-            </a:r>
-          </a:p>
-          <a:p>
-            <a:pPr lvl="1"/>
-            <a:endParaRPr lang="es-ES" sz="1600" dirty="0" smtClean="0"/>
-          </a:p>
-          <a:p>
-            <a:endParaRPr lang="es-ES" sz="2000" dirty="0"/>
           </a:p>
         </p:txBody>
       </p:sp>
@@ -3885,6 +3986,13 @@
   <p:clrMapOvr>
     <a:masterClrMapping/>
   </p:clrMapOvr>
+  <p:timing>
+    <p:tnLst>
+      <p:par>
+        <p:cTn id="1" dur="indefinite" restart="never" nodeType="tmRoot"/>
+      </p:par>
+    </p:tnLst>
+  </p:timing>
 </p:sld>
 </file>
 
@@ -3941,7 +4049,12 @@
             <p:ph type="title"/>
           </p:nvPr>
         </p:nvSpPr>
-        <p:spPr/>
+        <p:spPr>
+          <a:xfrm>
+            <a:off x="457200" y="274638"/>
+            <a:ext cx="9615526" cy="1143000"/>
+          </a:xfrm>
+        </p:spPr>
         <p:txBody>
           <a:bodyPr>
             <a:normAutofit/>
@@ -3950,15 +4063,39 @@
           <a:p>
             <a:r>
               <a:rPr lang="es-ES" sz="4000" b="1" dirty="0" smtClean="0"/>
-              <a:t>Modelos creados</a:t>
+              <a:t>Resultados del análisis de regresión</a:t>
             </a:r>
             <a:endParaRPr lang="es-ES" sz="4000" b="1" dirty="0"/>
           </a:p>
         </p:txBody>
       </p:sp>
-      <p:sp>
-        <p:nvSpPr>
-          <p:cNvPr id="6" name="5 Marcador de contenido"/>
+      <p:pic>
+        <p:nvPicPr>
+          <p:cNvPr id="5" name="4 Imagen" descr="modelo_cup.png"/>
+          <p:cNvPicPr>
+            <a:picLocks noChangeAspect="1"/>
+          </p:cNvPicPr>
+          <p:nvPr/>
+        </p:nvPicPr>
+        <p:blipFill>
+          <a:blip r:embed="rId3"/>
+          <a:stretch>
+            <a:fillRect/>
+          </a:stretch>
+        </p:blipFill>
+        <p:spPr>
+          <a:xfrm>
+            <a:off x="1428728" y="2571744"/>
+            <a:ext cx="7143800" cy="3842816"/>
+          </a:xfrm>
+          <a:prstGeom prst="rect">
+            <a:avLst/>
+          </a:prstGeom>
+        </p:spPr>
+      </p:pic>
+      <p:sp>
+        <p:nvSpPr>
+          <p:cNvPr id="3" name="2 Marcador de contenido"/>
           <p:cNvSpPr>
             <a:spLocks noGrp="1"/>
           </p:cNvSpPr>
@@ -3968,61 +4105,27 @@
         </p:nvSpPr>
         <p:spPr>
           <a:xfrm>
-            <a:off x="457200" y="1600200"/>
-            <a:ext cx="8901146" cy="4525963"/>
-          </a:xfrm>
-        </p:spPr>
-        <p:txBody>
-          <a:bodyPr/>
-          <a:lstStyle/>
-          <a:p>
-            <a:r>
-              <a:rPr lang="es-ES" dirty="0" smtClean="0"/>
-              <a:t>Solo con los partidos principales, sin incluir la abstención.</a:t>
-            </a:r>
-          </a:p>
-          <a:p>
-            <a:r>
-              <a:rPr lang="es-ES" dirty="0" smtClean="0"/>
-              <a:t>Solo con los partidos principales, incluyendo la abstención.</a:t>
-            </a:r>
-          </a:p>
-          <a:p>
-            <a:r>
-              <a:rPr lang="es-ES" dirty="0" smtClean="0"/>
-              <a:t>Incorporando a </a:t>
-            </a:r>
-            <a:r>
-              <a:rPr lang="es-ES" dirty="0" err="1" smtClean="0"/>
-              <a:t>Activem</a:t>
-            </a:r>
-            <a:r>
-              <a:rPr lang="es-ES" dirty="0" smtClean="0"/>
-              <a:t>, sin incluir la abstención.</a:t>
-            </a:r>
-          </a:p>
-          <a:p>
-            <a:r>
-              <a:rPr lang="es-ES" dirty="0" smtClean="0"/>
-              <a:t>Incorporando a </a:t>
-            </a:r>
-            <a:r>
-              <a:rPr lang="es-ES" dirty="0" err="1" smtClean="0"/>
-              <a:t>Activem</a:t>
-            </a:r>
-            <a:r>
-              <a:rPr lang="es-ES" dirty="0" smtClean="0"/>
-              <a:t>, incluyendo la abstención.</a:t>
-            </a:r>
-          </a:p>
-          <a:p>
-            <a:endParaRPr lang="es-ES" dirty="0" smtClean="0"/>
-          </a:p>
-          <a:p>
-            <a:endParaRPr lang="es-ES" dirty="0" smtClean="0"/>
-          </a:p>
-          <a:p>
-            <a:endParaRPr lang="es-ES" dirty="0"/>
+            <a:off x="571472" y="1285860"/>
+            <a:ext cx="9615526" cy="4525963"/>
+          </a:xfrm>
+        </p:spPr>
+        <p:txBody>
+          <a:bodyPr>
+            <a:normAutofit/>
+          </a:bodyPr>
+          <a:lstStyle/>
+          <a:p>
+            <a:r>
+              <a:rPr lang="es-ES" sz="2400" dirty="0" smtClean="0"/>
+              <a:t>El modelo para la CUP ha resultado ser el más fiable. Las variables escogidas han sido RMH, lengua, PES, JUNTS23 y ERC23.</a:t>
+            </a:r>
+          </a:p>
+          <a:p>
+            <a:r>
+              <a:rPr lang="es-ES" sz="2400" dirty="0" smtClean="0"/>
+              <a:t>Aunque dista de ser perfecto, señala una tendencia.</a:t>
+            </a:r>
+            <a:endParaRPr lang="es-ES" sz="2400" dirty="0"/>
           </a:p>
         </p:txBody>
       </p:sp>
@@ -4031,6 +4134,13 @@
   <p:clrMapOvr>
     <a:masterClrMapping/>
   </p:clrMapOvr>
+  <p:timing>
+    <p:tnLst>
+      <p:par>
+        <p:cTn id="1" dur="indefinite" restart="never" nodeType="tmRoot"/>
+      </p:par>
+    </p:tnLst>
+  </p:timing>
 </p:sld>
 </file>
 
@@ -4087,7 +4197,12 @@
             <p:ph type="title"/>
           </p:nvPr>
         </p:nvSpPr>
-        <p:spPr/>
+        <p:spPr>
+          <a:xfrm>
+            <a:off x="714348" y="500042"/>
+            <a:ext cx="8229600" cy="1214438"/>
+          </a:xfrm>
+        </p:spPr>
         <p:txBody>
           <a:bodyPr>
             <a:normAutofit fontScale="90000"/>
@@ -4096,88 +4211,79 @@
           <a:p>
             <a:r>
               <a:rPr lang="es-ES" b="1" dirty="0" smtClean="0"/>
-              <a:t>Representación gráfica del primer modelo</a:t>
-            </a:r>
-            <a:endParaRPr lang="es-ES" b="1" dirty="0"/>
-          </a:p>
-        </p:txBody>
-      </p:sp>
-      <p:pic>
-        <p:nvPicPr>
-          <p:cNvPr id="5" name="4 Marcador de contenido" descr="modeloinf_1.png"/>
-          <p:cNvPicPr>
-            <a:picLocks noGrp="1" noChangeAspect="1"/>
-          </p:cNvPicPr>
+              <a:t>Análisis de la transferencia de votos mediante inferencia ecológica</a:t>
+            </a:r>
+            <a:r>
+              <a:rPr lang="es-ES" dirty="0" smtClean="0"/>
+              <a:t/>
+            </a:r>
+            <a:br>
+              <a:rPr lang="es-ES" dirty="0" smtClean="0"/>
+            </a:br>
+            <a:endParaRPr lang="es-ES" dirty="0"/>
+          </a:p>
+        </p:txBody>
+      </p:sp>
+      <p:sp>
+        <p:nvSpPr>
+          <p:cNvPr id="3" name="2 Marcador de contenido"/>
+          <p:cNvSpPr>
+            <a:spLocks noGrp="1"/>
+          </p:cNvSpPr>
           <p:nvPr>
             <p:ph idx="1"/>
           </p:nvPr>
-        </p:nvPicPr>
-        <p:blipFill>
-          <a:blip r:embed="rId3"/>
-          <a:stretch>
-            <a:fillRect/>
-          </a:stretch>
-        </p:blipFill>
-        <p:spPr>
-          <a:xfrm>
-            <a:off x="428596" y="1714488"/>
-            <a:ext cx="5072098" cy="4411675"/>
-          </a:xfrm>
-        </p:spPr>
-      </p:pic>
-      <p:sp>
-        <p:nvSpPr>
-          <p:cNvPr id="8" name="7 CuadroTexto"/>
-          <p:cNvSpPr txBox="1"/>
-          <p:nvPr/>
-        </p:nvSpPr>
-        <p:spPr>
-          <a:xfrm>
-            <a:off x="5857884" y="1714488"/>
-            <a:ext cx="4607783" cy="3970318"/>
-          </a:xfrm>
-          <a:prstGeom prst="rect">
-            <a:avLst/>
-          </a:prstGeom>
-          <a:noFill/>
-        </p:spPr>
-        <p:txBody>
-          <a:bodyPr wrap="square" rtlCol="0">
-            <a:spAutoFit/>
+        </p:nvSpPr>
+        <p:spPr/>
+        <p:txBody>
+          <a:bodyPr>
+            <a:normAutofit fontScale="92500" lnSpcReduction="10000"/>
           </a:bodyPr>
           <a:lstStyle/>
           <a:p>
-            <a:r>
-              <a:rPr lang="es-ES" b="1" dirty="0" smtClean="0"/>
-              <a:t>CUP en 2019 (Columna 3)</a:t>
-            </a:r>
-            <a:r>
-              <a:rPr lang="es-ES" dirty="0" smtClean="0"/>
-              <a:t>:Un 63.64% de los votantes de la CUP en 2019 mantuvieron su lealtad y votaron por la CUP en 2023.</a:t>
-            </a:r>
-          </a:p>
-          <a:p>
-            <a:r>
-              <a:rPr lang="es-ES" dirty="0" smtClean="0"/>
-              <a:t>El 36.36% restante se clasifica bajo "NET_EXITS", lo que sugiere que una porción significativa de los votantes de la CUP en 2019 no votó por la CUP en 2023, probablemente optando por la abstención o votando por otros partidos no incluidos en el análisis.</a:t>
-            </a:r>
-          </a:p>
-          <a:p>
-            <a:r>
-              <a:rPr lang="es-ES" b="1" dirty="0" err="1" smtClean="0"/>
-              <a:t>Interpretación</a:t>
-            </a:r>
-            <a:r>
-              <a:rPr lang="es-ES" dirty="0" err="1" smtClean="0"/>
-              <a:t>:Este</a:t>
-            </a:r>
-            <a:r>
-              <a:rPr lang="es-ES" dirty="0" smtClean="0"/>
-              <a:t> resultado sugiere que la CUP logró retener una parte significativa de su base, pero también perdió una cantidad notable de votantes entre 2019 y 2023.</a:t>
-            </a:r>
-          </a:p>
-          <a:p>
-            <a:endParaRPr lang="es-ES" dirty="0"/>
+            <a:pPr algn="just"/>
+            <a:r>
+              <a:rPr lang="es-ES" sz="2800" dirty="0" smtClean="0"/>
+              <a:t>La inferencia ecológica es un método estadístico utilizado para deducir comportamientos individuales a partir de datos agregados. En contextos electorales, permite estimar cómo diferentes grupos de votantes (por ejemplo, por sección censal) cambiaron su voto entre dos elecciones, aunque solo se disponga de datos a nivel agregado y no individual.</a:t>
+            </a:r>
+          </a:p>
+          <a:p>
+            <a:pPr algn="just"/>
+            <a:endParaRPr lang="es-ES" sz="2800" dirty="0" smtClean="0"/>
+          </a:p>
+          <a:p>
+            <a:pPr algn="just"/>
+            <a:endParaRPr lang="es-ES" sz="2800" dirty="0" smtClean="0"/>
+          </a:p>
+          <a:p>
+            <a:pPr algn="just"/>
+            <a:r>
+              <a:rPr lang="es-ES" sz="2800" dirty="0" smtClean="0"/>
+              <a:t>Tras probar distintos modelos, se ha utilizado la librería </a:t>
+            </a:r>
+            <a:r>
+              <a:rPr lang="es-ES" sz="2800" dirty="0" err="1" smtClean="0"/>
+              <a:t>lphom</a:t>
+            </a:r>
+            <a:r>
+              <a:rPr lang="es-ES" sz="2800" dirty="0" smtClean="0"/>
+              <a:t>, creada por </a:t>
+            </a:r>
+            <a:r>
+              <a:rPr lang="es-ES" sz="2800" dirty="0" err="1" smtClean="0"/>
+              <a:t>Jose</a:t>
+            </a:r>
+            <a:r>
+              <a:rPr lang="es-ES" sz="2800" dirty="0" smtClean="0"/>
+              <a:t> M. Pavía y Rafael Romero.</a:t>
+            </a:r>
+          </a:p>
+          <a:p>
+            <a:pPr lvl="1"/>
+            <a:endParaRPr lang="es-ES" sz="1600" dirty="0" smtClean="0"/>
+          </a:p>
+          <a:p>
+            <a:endParaRPr lang="es-ES" sz="2000" dirty="0"/>
           </a:p>
         </p:txBody>
       </p:sp>
@@ -4186,6 +4292,13 @@
   <p:clrMapOvr>
     <a:masterClrMapping/>
   </p:clrMapOvr>
+  <p:timing>
+    <p:tnLst>
+      <p:par>
+        <p:cTn id="1" dur="indefinite" restart="never" nodeType="tmRoot"/>
+      </p:par>
+    </p:tnLst>
+  </p:timing>
 </p:sld>
 </file>
 
@@ -4245,91 +4358,101 @@
         <p:spPr/>
         <p:txBody>
           <a:bodyPr>
-            <a:normAutofit fontScale="90000"/>
+            <a:normAutofit/>
           </a:bodyPr>
           <a:lstStyle/>
           <a:p>
             <a:r>
-              <a:rPr lang="es-ES" b="1" dirty="0" smtClean="0"/>
-              <a:t>Representación gráfica del segundo modelo</a:t>
-            </a:r>
-            <a:endParaRPr lang="es-ES" dirty="0"/>
-          </a:p>
-        </p:txBody>
-      </p:sp>
-      <p:pic>
-        <p:nvPicPr>
-          <p:cNvPr id="5" name="4 Marcador de contenido" descr="modeloinf_2.png"/>
-          <p:cNvPicPr>
-            <a:picLocks noGrp="1" noChangeAspect="1"/>
-          </p:cNvPicPr>
+              <a:rPr lang="es-ES" sz="4000" b="1" dirty="0" smtClean="0"/>
+              <a:t>Modelos creados</a:t>
+            </a:r>
+            <a:endParaRPr lang="es-ES" sz="4000" b="1" dirty="0"/>
+          </a:p>
+        </p:txBody>
+      </p:sp>
+      <p:sp>
+        <p:nvSpPr>
+          <p:cNvPr id="6" name="5 Marcador de contenido"/>
+          <p:cNvSpPr>
+            <a:spLocks noGrp="1"/>
+          </p:cNvSpPr>
           <p:nvPr>
             <p:ph idx="1"/>
           </p:nvPr>
-        </p:nvPicPr>
-        <p:blipFill>
-          <a:blip r:embed="rId3"/>
-          <a:stretch>
-            <a:fillRect/>
-          </a:stretch>
-        </p:blipFill>
-        <p:spPr>
-          <a:xfrm>
-            <a:off x="457200" y="1605829"/>
-            <a:ext cx="4471990" cy="4514704"/>
-          </a:xfrm>
-        </p:spPr>
-      </p:pic>
-      <p:sp>
-        <p:nvSpPr>
-          <p:cNvPr id="6" name="5 CuadroTexto"/>
-          <p:cNvSpPr txBox="1"/>
-          <p:nvPr/>
-        </p:nvSpPr>
-        <p:spPr>
-          <a:xfrm>
-            <a:off x="5786446" y="1500174"/>
-            <a:ext cx="4071965" cy="5078313"/>
-          </a:xfrm>
-          <a:prstGeom prst="rect">
-            <a:avLst/>
-          </a:prstGeom>
-          <a:noFill/>
-        </p:spPr>
-        <p:txBody>
-          <a:bodyPr wrap="square" rtlCol="0">
-            <a:spAutoFit/>
-          </a:bodyPr>
-          <a:lstStyle/>
-          <a:p>
-            <a:r>
-              <a:rPr lang="es-ES" b="1" dirty="0" smtClean="0"/>
-              <a:t>CUP en 2019 (Columna 3)</a:t>
-            </a:r>
+        </p:nvSpPr>
+        <p:spPr>
+          <a:xfrm>
+            <a:off x="457200" y="1600200"/>
+            <a:ext cx="8686800" cy="4525963"/>
+          </a:xfrm>
+        </p:spPr>
+        <p:txBody>
+          <a:bodyPr/>
+          <a:lstStyle/>
+          <a:p>
             <a:r>
               <a:rPr lang="es-ES" dirty="0" smtClean="0"/>
-              <a:t>:En este modelo, el 82.66% de los votos de la CUP en 2019 permanecieron con la CUP en 2023, lo que indica una mayor retención de votantes en comparación con el primer modelo.</a:t>
+              <a:t>Solo con los partidos principales, sin incluir la abstención.</a:t>
             </a:r>
           </a:p>
           <a:p>
             <a:r>
               <a:rPr lang="es-ES" dirty="0" smtClean="0"/>
-              <a:t>Los votos que no se retuvieron se dividieron entre otros partidos, pero una gran parte también fue a la abstención.</a:t>
-            </a:r>
-          </a:p>
-          <a:p>
-            <a:r>
-              <a:rPr lang="es-ES" b="1" dirty="0" err="1" smtClean="0"/>
-              <a:t>Interpretación</a:t>
+              <a:t>Solo con los partidos principales, incluyendo la abstención.</a:t>
+            </a:r>
+          </a:p>
+          <a:p>
+            <a:r>
+              <a:rPr lang="es-ES" dirty="0" smtClean="0"/>
+              <a:t>Incorporando a </a:t>
             </a:r>
             <a:r>
               <a:rPr lang="es-ES" dirty="0" err="1" smtClean="0"/>
-              <a:t>:La</a:t>
+              <a:t>Activem</a:t>
             </a:r>
             <a:r>
               <a:rPr lang="es-ES" dirty="0" smtClean="0"/>
-              <a:t> inclusión de la abstención en el análisis muestra que la CUP logró mantener una mayor proporción de sus votantes en comparación con el primer modelo. Sin embargo, la abstención fue una opción importante para aquellos que no repitieron su voto por la CUP.</a:t>
-            </a:r>
+              <a:t>, sin incluir la abstención.</a:t>
+            </a:r>
+          </a:p>
+          <a:p>
+            <a:r>
+              <a:rPr lang="es-ES" dirty="0" smtClean="0"/>
+              <a:t>Incorporando a </a:t>
+            </a:r>
+            <a:r>
+              <a:rPr lang="es-ES" dirty="0" err="1" smtClean="0"/>
+              <a:t>Activem</a:t>
+            </a:r>
+            <a:r>
+              <a:rPr lang="es-ES" dirty="0" smtClean="0"/>
+              <a:t>, incluyendo la abstención</a:t>
+            </a:r>
+            <a:r>
+              <a:rPr lang="es-ES" dirty="0" smtClean="0"/>
+              <a:t>.</a:t>
+            </a:r>
+          </a:p>
+          <a:p>
+            <a:r>
+              <a:rPr lang="es-ES" dirty="0" smtClean="0"/>
+              <a:t>Incorporando a </a:t>
+            </a:r>
+            <a:r>
+              <a:rPr lang="es-ES" dirty="0" err="1" smtClean="0"/>
+              <a:t>Activem</a:t>
+            </a:r>
+            <a:r>
+              <a:rPr lang="es-ES" dirty="0" smtClean="0"/>
+              <a:t>, ARA, VOX y abstención.</a:t>
+            </a:r>
+            <a:endParaRPr lang="es-ES" dirty="0" smtClean="0"/>
+          </a:p>
+          <a:p>
+            <a:endParaRPr lang="es-ES" dirty="0" smtClean="0"/>
+          </a:p>
+          <a:p>
+            <a:endParaRPr lang="es-ES" dirty="0" smtClean="0"/>
           </a:p>
           <a:p>
             <a:endParaRPr lang="es-ES" dirty="0"/>
@@ -4341,6 +4464,13 @@
   <p:clrMapOvr>
     <a:masterClrMapping/>
   </p:clrMapOvr>
+  <p:timing>
+    <p:tnLst>
+      <p:par>
+        <p:cTn id="1" dur="indefinite" restart="never" nodeType="tmRoot"/>
+      </p:par>
+    </p:tnLst>
+  </p:timing>
 </p:sld>
 </file>
 
@@ -4406,15 +4536,15 @@
           <a:p>
             <a:r>
               <a:rPr lang="es-ES" b="1" dirty="0" smtClean="0"/>
-              <a:t>Representación gráfica del tercer modelo</a:t>
-            </a:r>
-            <a:endParaRPr lang="es-ES" dirty="0"/>
+              <a:t>Representación gráfica del primer modelo</a:t>
+            </a:r>
+            <a:endParaRPr lang="es-ES" b="1" dirty="0"/>
           </a:p>
         </p:txBody>
       </p:sp>
       <p:pic>
         <p:nvPicPr>
-          <p:cNvPr id="5" name="4 Marcador de contenido" descr="modeloinf_3.png"/>
+          <p:cNvPr id="5" name="4 Marcador de contenido" descr="modeloinf_1.png"/>
           <p:cNvPicPr>
             <a:picLocks noGrp="1" noChangeAspect="1"/>
           </p:cNvPicPr>
@@ -4430,21 +4560,21 @@
         </p:blipFill>
         <p:spPr>
           <a:xfrm>
-            <a:off x="737064" y="1600200"/>
-            <a:ext cx="4049250" cy="4525963"/>
+            <a:off x="428596" y="1714488"/>
+            <a:ext cx="4143404" cy="4411675"/>
           </a:xfrm>
         </p:spPr>
       </p:pic>
       <p:sp>
         <p:nvSpPr>
-          <p:cNvPr id="6" name="5 CuadroTexto"/>
+          <p:cNvPr id="8" name="7 CuadroTexto"/>
           <p:cNvSpPr txBox="1"/>
           <p:nvPr/>
         </p:nvSpPr>
         <p:spPr>
           <a:xfrm>
-            <a:off x="5357818" y="1714488"/>
-            <a:ext cx="4643470" cy="3693319"/>
+            <a:off x="5000629" y="1571612"/>
+            <a:ext cx="3857651" cy="4801314"/>
           </a:xfrm>
           <a:prstGeom prst="rect">
             <a:avLst/>
@@ -4457,57 +4587,36 @@
           </a:bodyPr>
           <a:lstStyle/>
           <a:p>
+            <a:pPr algn="just"/>
             <a:r>
               <a:rPr lang="es-ES" b="1" dirty="0" smtClean="0"/>
               <a:t>CUP en 2019 (Columna 3)</a:t>
             </a:r>
             <a:r>
               <a:rPr lang="es-ES" dirty="0" smtClean="0"/>
-              <a:t>:Un 69.63% de los votantes de la CUP en 2019 mantuvieron su voto por la CUP en 2023.</a:t>
-            </a:r>
-          </a:p>
-          <a:p>
+              <a:t>:Un 63.64% de los votantes de la CUP en 2019 mantuvieron su lealtad y votaron por la CUP en 2023.</a:t>
+            </a:r>
+          </a:p>
+          <a:p>
+            <a:pPr algn="just"/>
             <a:r>
               <a:rPr lang="es-ES" dirty="0" smtClean="0"/>
-              <a:t>Una proporción de los votos que originalmente se transferían a "NET_EXITS" en el primer modelo ahora se transfiere a </a:t>
-            </a:r>
-            <a:r>
-              <a:rPr lang="es-ES" dirty="0" err="1" smtClean="0"/>
-              <a:t>Activem</a:t>
-            </a:r>
-            <a:r>
-              <a:rPr lang="es-ES" dirty="0" smtClean="0"/>
-              <a:t> en este modelo.</a:t>
-            </a:r>
-          </a:p>
-          <a:p>
+              <a:t>El 36.36% restante se clasifica bajo "NET_EXITS", lo que sugiere que una porción significativa de los votantes de la CUP en 2019 no votó por la CUP en 2023, probablemente optando por la abstención o votando por otros partidos no incluidos en el análisis.</a:t>
+            </a:r>
+          </a:p>
+          <a:p>
+            <a:pPr algn="just"/>
             <a:r>
               <a:rPr lang="es-ES" b="1" dirty="0" err="1" smtClean="0"/>
               <a:t>Interpretación</a:t>
             </a:r>
             <a:r>
               <a:rPr lang="es-ES" dirty="0" err="1" smtClean="0"/>
-              <a:t>:La</a:t>
+              <a:t>:Este</a:t>
             </a:r>
             <a:r>
               <a:rPr lang="es-ES" dirty="0" smtClean="0"/>
-              <a:t> aparición de </a:t>
-            </a:r>
-            <a:r>
-              <a:rPr lang="es-ES" dirty="0" err="1" smtClean="0"/>
-              <a:t>Activem</a:t>
-            </a:r>
-            <a:r>
-              <a:rPr lang="es-ES" dirty="0" smtClean="0"/>
-              <a:t> como opción en 2023 afectó la retención de la CUP, ya que algunos de los votos que antes se perdían hacia la abstención o partidos no considerados ahora se desvían hacia </a:t>
-            </a:r>
-            <a:r>
-              <a:rPr lang="es-ES" dirty="0" err="1" smtClean="0"/>
-              <a:t>Activem</a:t>
-            </a:r>
-            <a:r>
-              <a:rPr lang="es-ES" dirty="0" smtClean="0"/>
-              <a:t>.</a:t>
+              <a:t> resultado sugiere que la CUP logró retener una parte significativa de su base, pero también perdió una cantidad notable de votantes entre 2019 y 2023.</a:t>
             </a:r>
           </a:p>
           <a:p>
@@ -4520,6 +4629,13 @@
   <p:clrMapOvr>
     <a:masterClrMapping/>
   </p:clrMapOvr>
+  <p:timing>
+    <p:tnLst>
+      <p:par>
+        <p:cTn id="1" dur="indefinite" restart="never" nodeType="tmRoot"/>
+      </p:par>
+    </p:tnLst>
+  </p:timing>
 </p:sld>
 </file>
 
@@ -4585,7 +4701,7 @@
           <a:p>
             <a:r>
               <a:rPr lang="es-ES" b="1" dirty="0" smtClean="0"/>
-              <a:t>Representación gráfica del cuarto modelo</a:t>
+              <a:t>Representación gráfica del segundo modelo</a:t>
             </a:r>
             <a:endParaRPr lang="es-ES" dirty="0"/>
           </a:p>
@@ -4593,7 +4709,7 @@
       </p:sp>
       <p:pic>
         <p:nvPicPr>
-          <p:cNvPr id="5" name="4 Marcador de contenido" descr="modeloinf_4.png"/>
+          <p:cNvPr id="5" name="4 Marcador de contenido" descr="modeloinf_2.png"/>
           <p:cNvPicPr>
             <a:picLocks noGrp="1" noChangeAspect="1"/>
           </p:cNvPicPr>
@@ -4609,8 +4725,8 @@
         </p:blipFill>
         <p:spPr>
           <a:xfrm>
-            <a:off x="470675" y="1600200"/>
-            <a:ext cx="4458515" cy="4525963"/>
+            <a:off x="457200" y="1605829"/>
+            <a:ext cx="4471990" cy="4514704"/>
           </a:xfrm>
         </p:spPr>
       </p:pic>
@@ -4622,8 +4738,8 @@
         </p:nvSpPr>
         <p:spPr>
           <a:xfrm>
-            <a:off x="5643570" y="1571612"/>
-            <a:ext cx="3929089" cy="4801314"/>
+            <a:off x="5357818" y="1225689"/>
+            <a:ext cx="3500462" cy="5632311"/>
           </a:xfrm>
           <a:prstGeom prst="rect">
             <a:avLst/>
@@ -4636,49 +4752,36 @@
           </a:bodyPr>
           <a:lstStyle/>
           <a:p>
+            <a:pPr algn="just"/>
             <a:r>
               <a:rPr lang="es-ES" b="1" dirty="0" smtClean="0"/>
               <a:t>CUP en 2019 (Columna 3)</a:t>
             </a:r>
             <a:r>
               <a:rPr lang="es-ES" dirty="0" smtClean="0"/>
-              <a:t>:La CUP retuvo el 83.01% de sus votantes de 2019 en 2023, el porcentaje más alto entre todos los modelos.</a:t>
-            </a:r>
-          </a:p>
-          <a:p>
+              <a:t>:En este modelo, el 82.66% de los votos de la CUP en 2019 permanecieron con la CUP en 2023, lo que indica una mayor retención de votantes en comparación con el primer modelo.</a:t>
+            </a:r>
+          </a:p>
+          <a:p>
+            <a:pPr algn="just"/>
             <a:r>
               <a:rPr lang="es-ES" dirty="0" smtClean="0"/>
-              <a:t>La transferencia de votos hacia </a:t>
-            </a:r>
-            <a:r>
-              <a:rPr lang="es-ES" dirty="0" err="1" smtClean="0"/>
-              <a:t>Activem</a:t>
-            </a:r>
-            <a:r>
-              <a:rPr lang="es-ES" dirty="0" smtClean="0"/>
-              <a:t> y la abstención es menos significativa en este modelo en comparación con los anteriores.</a:t>
-            </a:r>
-          </a:p>
-          <a:p>
+              <a:t>Los votos que no se retuvieron se dividieron entre otros partidos, pero una gran parte también fue a la abstención.</a:t>
+            </a:r>
+          </a:p>
+          <a:p>
+            <a:pPr algn="just"/>
             <a:r>
               <a:rPr lang="es-ES" b="1" dirty="0" err="1" smtClean="0"/>
               <a:t>Interpretación</a:t>
             </a:r>
             <a:r>
               <a:rPr lang="es-ES" dirty="0" err="1" smtClean="0"/>
-              <a:t>:Este</a:t>
+              <a:t>:La</a:t>
             </a:r>
             <a:r>
               <a:rPr lang="es-ES" dirty="0" smtClean="0"/>
-              <a:t> modelo muestra que la CUP mantuvo una alta retención de votantes, con un porcentaje menor de votos transferidos a otros partidos o a la abstención. La inclusión de </a:t>
-            </a:r>
-            <a:r>
-              <a:rPr lang="es-ES" dirty="0" err="1" smtClean="0"/>
-              <a:t>Activem</a:t>
-            </a:r>
-            <a:r>
-              <a:rPr lang="es-ES" dirty="0" smtClean="0"/>
-              <a:t> y la consideración de la abstención permiten una visión más clara de la estabilidad del voto de la CUP.</a:t>
+              <a:t> inclusión de la abstención en el análisis muestra que la CUP logró mantener una mayor proporción de sus votantes en comparación con el primer modelo. Sin embargo, la abstención fue una opción importante para aquellos que no repitieron su voto por la CUP.</a:t>
             </a:r>
           </a:p>
           <a:p>
@@ -4691,6 +4794,13 @@
   <p:clrMapOvr>
     <a:masterClrMapping/>
   </p:clrMapOvr>
+  <p:timing>
+    <p:tnLst>
+      <p:par>
+        <p:cTn id="1" dur="indefinite" restart="never" nodeType="tmRoot"/>
+      </p:par>
+    </p:tnLst>
+  </p:timing>
 </p:sld>
 </file>
 
@@ -4798,6 +4908,7 @@
             <a:endParaRPr lang="es-ES" sz="2000" dirty="0" smtClean="0"/>
           </a:p>
           <a:p>
+            <a:pPr algn="just"/>
             <a:r>
               <a:rPr lang="es-ES" sz="2000" dirty="0" smtClean="0"/>
               <a:t>Las elecciones municipales de 2023 en </a:t>
@@ -4812,19 +4923,20 @@
             </a:r>
           </a:p>
           <a:p>
+            <a:pPr algn="just"/>
             <a:r>
               <a:rPr lang="es-ES" sz="2000" dirty="0" smtClean="0"/>
               <a:t>El proyecto busca comprender las dinámicas que llevaron a este cambio, incluyendo factores demográficos, sociológicos, y transferencias de voto.</a:t>
             </a:r>
           </a:p>
           <a:p>
-            <a:pPr>
+            <a:pPr algn="just">
               <a:buNone/>
             </a:pPr>
             <a:endParaRPr lang="es-ES" sz="2000" dirty="0" smtClean="0"/>
           </a:p>
           <a:p>
-            <a:pPr>
+            <a:pPr algn="just">
               <a:buNone/>
             </a:pPr>
             <a:r>
@@ -4834,6 +4946,7 @@
             <a:endParaRPr lang="es-ES" sz="2400" dirty="0"/>
           </a:p>
           <a:p>
+            <a:pPr algn="just"/>
             <a:r>
               <a:rPr lang="es-ES" sz="2000" dirty="0" smtClean="0"/>
               <a:t>Analizar el comportamiento electoral de los principales partidos en </a:t>
@@ -4848,12 +4961,14 @@
             </a:r>
           </a:p>
           <a:p>
+            <a:pPr algn="just"/>
             <a:r>
               <a:rPr lang="es-ES" sz="2000" dirty="0" smtClean="0"/>
-              <a:t>Determinar los factores clave que influenciaron el ascenso de la CUP."</a:t>
-            </a:r>
-          </a:p>
-          <a:p>
+              <a:t>Determinar los factores clave que influenciaron el ascenso de la CUP.</a:t>
+            </a:r>
+          </a:p>
+          <a:p>
+            <a:pPr algn="just"/>
             <a:r>
               <a:rPr lang="es-ES" sz="2000" dirty="0" smtClean="0"/>
               <a:t>Aplicar técnicas de inferencia ecológica para explorar las transferencias de voto entre 2019 y 2023.</a:t>
@@ -4869,6 +4984,13 @@
   <p:clrMapOvr>
     <a:masterClrMapping/>
   </p:clrMapOvr>
+  <p:timing>
+    <p:tnLst>
+      <p:par>
+        <p:cTn id="1" dur="indefinite" restart="never" nodeType="tmRoot"/>
+      </p:par>
+    </p:tnLst>
+  </p:timing>
 </p:sld>
 </file>
 
@@ -4925,12 +5047,7 @@
             <p:ph type="title"/>
           </p:nvPr>
         </p:nvSpPr>
-        <p:spPr>
-          <a:xfrm>
-            <a:off x="1357290" y="285728"/>
-            <a:ext cx="8229600" cy="1143000"/>
-          </a:xfrm>
-        </p:spPr>
+        <p:spPr/>
         <p:txBody>
           <a:bodyPr>
             <a:normAutofit fontScale="90000"/>
@@ -4939,7 +5056,7 @@
           <a:p>
             <a:r>
               <a:rPr lang="es-ES" b="1" dirty="0" smtClean="0"/>
-              <a:t>Representación gráfica del quinto modelo</a:t>
+              <a:t>Representación gráfica del tercer modelo</a:t>
             </a:r>
             <a:endParaRPr lang="es-ES" dirty="0"/>
           </a:p>
@@ -4947,7 +5064,7 @@
       </p:sp>
       <p:pic>
         <p:nvPicPr>
-          <p:cNvPr id="6" name="5 Marcador de contenido" descr="modeloinf_5.png"/>
+          <p:cNvPr id="5" name="4 Marcador de contenido" descr="modeloinf_3.png"/>
           <p:cNvPicPr>
             <a:picLocks noGrp="1" noChangeAspect="1"/>
           </p:cNvPicPr>
@@ -4963,21 +5080,21 @@
         </p:blipFill>
         <p:spPr>
           <a:xfrm>
-            <a:off x="470675" y="1600200"/>
-            <a:ext cx="4244201" cy="4525963"/>
+            <a:off x="737064" y="1600200"/>
+            <a:ext cx="4049250" cy="4525963"/>
           </a:xfrm>
         </p:spPr>
       </p:pic>
       <p:sp>
         <p:nvSpPr>
-          <p:cNvPr id="7" name="6 CuadroTexto"/>
+          <p:cNvPr id="6" name="5 CuadroTexto"/>
           <p:cNvSpPr txBox="1"/>
           <p:nvPr/>
         </p:nvSpPr>
         <p:spPr>
           <a:xfrm>
-            <a:off x="4786283" y="1428736"/>
-            <a:ext cx="5572195" cy="5078313"/>
+            <a:off x="5357818" y="1714488"/>
+            <a:ext cx="3571900" cy="4801314"/>
           </a:xfrm>
           <a:prstGeom prst="rect">
             <a:avLst/>
@@ -4990,79 +5107,60 @@
           </a:bodyPr>
           <a:lstStyle/>
           <a:p>
+            <a:pPr algn="just"/>
             <a:r>
               <a:rPr lang="es-ES" b="1" dirty="0" smtClean="0"/>
-              <a:t>Alta Retención</a:t>
+              <a:t>CUP en 2019 (Columna 3)</a:t>
             </a:r>
             <a:r>
               <a:rPr lang="es-ES" dirty="0" smtClean="0"/>
-              <a:t>: La retención del </a:t>
-            </a:r>
-            <a:r>
-              <a:rPr lang="es-ES" b="1" dirty="0" smtClean="0"/>
-              <a:t>80.72%</a:t>
-            </a:r>
+              <a:t>:Un 69.63% de los votantes de la CUP en 2019 mantuvieron su voto por la CUP en 2023.</a:t>
+            </a:r>
+          </a:p>
+          <a:p>
+            <a:pPr algn="just"/>
             <a:r>
               <a:rPr lang="es-ES" dirty="0" smtClean="0"/>
-              <a:t> de los votantes de 2019 muestra una base electoral sólida y leal para la CUP.</a:t>
-            </a:r>
-          </a:p>
-          <a:p>
-            <a:r>
-              <a:rPr lang="es-ES" b="1" dirty="0" smtClean="0"/>
-              <a:t>Transferencias Positivas desde </a:t>
-            </a:r>
+              <a:t>Una proporción de los votos que originalmente se transferían a "NET_EXITS" en el primer modelo ahora se transfiere a </a:t>
+            </a:r>
+            <a:r>
+              <a:rPr lang="es-ES" dirty="0" err="1" smtClean="0"/>
+              <a:t>Activem</a:t>
+            </a:r>
+            <a:r>
+              <a:rPr lang="es-ES" dirty="0" smtClean="0"/>
+              <a:t> en este modelo.</a:t>
+            </a:r>
+          </a:p>
+          <a:p>
+            <a:pPr algn="just"/>
             <a:r>
               <a:rPr lang="es-ES" b="1" dirty="0" err="1" smtClean="0"/>
-              <a:t>Junts</a:t>
+              <a:t>Interpretación</a:t>
+            </a:r>
+            <a:r>
+              <a:rPr lang="es-ES" dirty="0" err="1" smtClean="0"/>
+              <a:t>:La</a:t>
             </a:r>
             <a:r>
               <a:rPr lang="es-ES" dirty="0" smtClean="0"/>
-              <a:t>: La transferencia del </a:t>
-            </a:r>
-            <a:r>
-              <a:rPr lang="es-ES" b="1" dirty="0" smtClean="0"/>
-              <a:t>8.05%</a:t>
+              <a:t> aparición de </a:t>
+            </a:r>
+            <a:r>
+              <a:rPr lang="es-ES" dirty="0" err="1" smtClean="0"/>
+              <a:t>Activem</a:t>
             </a:r>
             <a:r>
               <a:rPr lang="es-ES" dirty="0" smtClean="0"/>
-              <a:t> de los votos de </a:t>
+              <a:t> como opción en 2023 afectó la retención de la CUP, ya que algunos de los votos que antes se perdían hacia la abstención o partidos no considerados ahora se desvían hacia </a:t>
             </a:r>
             <a:r>
               <a:rPr lang="es-ES" dirty="0" err="1" smtClean="0"/>
-              <a:t>Junts</a:t>
+              <a:t>Activem</a:t>
             </a:r>
             <a:r>
               <a:rPr lang="es-ES" dirty="0" smtClean="0"/>
-              <a:t> a la CUP indica que la CUP está atrayendo a votantes de un partido con una orientación similar en el espectro independentista.</a:t>
-            </a:r>
-          </a:p>
-          <a:p>
-            <a:r>
-              <a:rPr lang="es-ES" b="1" dirty="0" smtClean="0"/>
-              <a:t>Movilización de Abstencionistas</a:t>
-            </a:r>
-            <a:r>
-              <a:rPr lang="es-ES" dirty="0" smtClean="0"/>
-              <a:t>: La capacidad de la CUP para atraer casi un </a:t>
-            </a:r>
-            <a:r>
-              <a:rPr lang="es-ES" b="1" dirty="0" smtClean="0"/>
-              <a:t>19%</a:t>
-            </a:r>
-            <a:r>
-              <a:rPr lang="es-ES" dirty="0" smtClean="0"/>
-              <a:t> de los votantes que se habían abstenido en las elecciones de 2019 es significativa. Esto podría indicar un mensaje o campaña que resonó bien entre aquellos que estaban desencantados con la política en 2019.</a:t>
-            </a:r>
-          </a:p>
-          <a:p>
-            <a:r>
-              <a:rPr lang="es-ES" b="1" dirty="0" smtClean="0"/>
-              <a:t>Impacto de los Nuevos Partidos</a:t>
-            </a:r>
-            <a:r>
-              <a:rPr lang="es-ES" dirty="0" smtClean="0"/>
-              <a:t>: La falta de transferencia de votos desde ACTIVEM, ARA-PL, o VOX sugiere que estos nuevos partidos no han afectado significativamente a la CUP en términos de ganancia o pérdida de votos.</a:t>
+              <a:t>.</a:t>
             </a:r>
           </a:p>
           <a:p>
@@ -5075,6 +5173,13 @@
   <p:clrMapOvr>
     <a:masterClrMapping/>
   </p:clrMapOvr>
+  <p:timing>
+    <p:tnLst>
+      <p:par>
+        <p:cTn id="1" dur="indefinite" restart="never" nodeType="tmRoot"/>
+      </p:par>
+    </p:tnLst>
+  </p:timing>
 </p:sld>
 </file>
 
@@ -5131,108 +5236,115 @@
             <p:ph type="title"/>
           </p:nvPr>
         </p:nvSpPr>
-        <p:spPr>
-          <a:xfrm>
-            <a:off x="914400" y="285728"/>
-            <a:ext cx="8229600" cy="1143000"/>
-          </a:xfrm>
-        </p:spPr>
+        <p:spPr/>
         <p:txBody>
           <a:bodyPr>
-            <a:normAutofit/>
+            <a:normAutofit fontScale="90000"/>
           </a:bodyPr>
           <a:lstStyle/>
           <a:p>
             <a:r>
-              <a:rPr lang="es-ES" sz="4000" b="1" dirty="0" smtClean="0"/>
-              <a:t>Conclusiones generales</a:t>
-            </a:r>
-            <a:endParaRPr lang="es-ES" sz="4000" b="1" dirty="0"/>
-          </a:p>
-        </p:txBody>
-      </p:sp>
-      <p:sp>
-        <p:nvSpPr>
-          <p:cNvPr id="5" name="4 Marcador de contenido"/>
-          <p:cNvSpPr>
-            <a:spLocks noGrp="1"/>
-          </p:cNvSpPr>
+              <a:rPr lang="es-ES" b="1" dirty="0" smtClean="0"/>
+              <a:t>Representación gráfica del cuarto modelo</a:t>
+            </a:r>
+            <a:endParaRPr lang="es-ES" dirty="0"/>
+          </a:p>
+        </p:txBody>
+      </p:sp>
+      <p:pic>
+        <p:nvPicPr>
+          <p:cNvPr id="5" name="4 Marcador de contenido" descr="modeloinf_4.png"/>
+          <p:cNvPicPr>
+            <a:picLocks noGrp="1" noChangeAspect="1"/>
+          </p:cNvPicPr>
           <p:nvPr>
             <p:ph idx="1"/>
           </p:nvPr>
-        </p:nvSpPr>
-        <p:spPr>
-          <a:xfrm>
-            <a:off x="457200" y="1600200"/>
-            <a:ext cx="9401212" cy="4525963"/>
-          </a:xfrm>
-        </p:spPr>
-        <p:txBody>
-          <a:bodyPr>
-            <a:normAutofit lnSpcReduction="10000"/>
+        </p:nvPicPr>
+        <p:blipFill>
+          <a:blip r:embed="rId3"/>
+          <a:stretch>
+            <a:fillRect/>
+          </a:stretch>
+        </p:blipFill>
+        <p:spPr>
+          <a:xfrm>
+            <a:off x="470675" y="1600200"/>
+            <a:ext cx="4458515" cy="4525963"/>
+          </a:xfrm>
+        </p:spPr>
+      </p:pic>
+      <p:sp>
+        <p:nvSpPr>
+          <p:cNvPr id="6" name="5 CuadroTexto"/>
+          <p:cNvSpPr txBox="1"/>
+          <p:nvPr/>
+        </p:nvSpPr>
+        <p:spPr>
+          <a:xfrm>
+            <a:off x="5572132" y="1214422"/>
+            <a:ext cx="3357586" cy="5355312"/>
+          </a:xfrm>
+          <a:prstGeom prst="rect">
+            <a:avLst/>
+          </a:prstGeom>
+          <a:noFill/>
+        </p:spPr>
+        <p:txBody>
+          <a:bodyPr wrap="square" rtlCol="0">
+            <a:spAutoFit/>
           </a:bodyPr>
           <a:lstStyle/>
           <a:p>
+            <a:pPr algn="just"/>
+            <a:r>
+              <a:rPr lang="es-ES" b="1" dirty="0" smtClean="0"/>
+              <a:t>CUP en 2019 (Columna 3)</a:t>
+            </a:r>
             <a:r>
               <a:rPr lang="es-ES" dirty="0" smtClean="0"/>
-              <a:t>Gran lealtad de la base electoral de la CUP.</a:t>
-            </a:r>
-          </a:p>
-          <a:p>
+              <a:t>:La CUP retuvo el 83.01% de sus votantes de 2019 en 2023, el porcentaje más alto entre todos los modelos.</a:t>
+            </a:r>
+          </a:p>
+          <a:p>
+            <a:pPr algn="just"/>
             <a:r>
               <a:rPr lang="es-ES" dirty="0" smtClean="0"/>
-              <a:t>Alta competencia entre las fuerzas nacionalistas, especialmente entre </a:t>
+              <a:t>La transferencia de votos hacia </a:t>
             </a:r>
             <a:r>
               <a:rPr lang="es-ES" dirty="0" err="1" smtClean="0"/>
-              <a:t>Junts</a:t>
+              <a:t>Activem</a:t>
             </a:r>
             <a:r>
               <a:rPr lang="es-ES" dirty="0" smtClean="0"/>
-              <a:t> y CUP.</a:t>
-            </a:r>
-          </a:p>
-          <a:p>
+              <a:t> y la abstención es menos significativa en este modelo en comparación con los anteriores.</a:t>
+            </a:r>
+          </a:p>
+          <a:p>
+            <a:pPr algn="just"/>
+            <a:r>
+              <a:rPr lang="es-ES" b="1" dirty="0" err="1" smtClean="0"/>
+              <a:t>Interpretación</a:t>
+            </a:r>
+            <a:r>
+              <a:rPr lang="es-ES" dirty="0" err="1" smtClean="0"/>
+              <a:t>:Este</a:t>
+            </a:r>
             <a:r>
               <a:rPr lang="es-ES" dirty="0" smtClean="0"/>
-              <a:t>Capacidad de la CUP para atraer abstencionistas.</a:t>
-            </a:r>
-          </a:p>
-          <a:p>
+              <a:t> modelo muestra que la CUP mantuvo una alta retención de votantes, con un porcentaje menor de votos transferidos a otros partidos o a la abstención. La inclusión de </a:t>
+            </a:r>
+            <a:r>
+              <a:rPr lang="es-ES" dirty="0" err="1" smtClean="0"/>
+              <a:t>Activem</a:t>
+            </a:r>
             <a:r>
               <a:rPr lang="es-ES" dirty="0" smtClean="0"/>
-              <a:t>Gran importancia del eje </a:t>
-            </a:r>
-            <a:r>
-              <a:rPr lang="es-ES" dirty="0" err="1" smtClean="0"/>
-              <a:t>etnonacional</a:t>
-            </a:r>
-            <a:r>
-              <a:rPr lang="es-ES" dirty="0" smtClean="0"/>
-              <a:t>. Voto </a:t>
-            </a:r>
-            <a:r>
-              <a:rPr lang="es-ES" dirty="0" err="1" smtClean="0"/>
-              <a:t>etnificado</a:t>
-            </a:r>
-            <a:r>
-              <a:rPr lang="es-ES" dirty="0" smtClean="0"/>
-              <a:t>, especialmente en los casos de PSC y </a:t>
-            </a:r>
-            <a:r>
-              <a:rPr lang="es-ES" dirty="0" err="1" smtClean="0"/>
-              <a:t>Junts</a:t>
-            </a:r>
-            <a:r>
-              <a:rPr lang="es-ES" dirty="0" smtClean="0"/>
-              <a:t>.</a:t>
-            </a:r>
-          </a:p>
-          <a:p>
-            <a:r>
-              <a:rPr lang="es-ES" dirty="0" smtClean="0"/>
-              <a:t>Papel decisivo de factores cualitativos: campaña y lista electoral (especialmente, del o la cabeza de lista).</a:t>
-            </a:r>
+              <a:t> y la consideración de la abstención permiten una visión más clara de la estabilidad del voto de la CUP.</a:t>
+            </a:r>
+          </a:p>
+          <a:p>
             <a:endParaRPr lang="es-ES" dirty="0"/>
           </a:p>
         </p:txBody>
@@ -5242,6 +5354,13 @@
   <p:clrMapOvr>
     <a:masterClrMapping/>
   </p:clrMapOvr>
+  <p:timing>
+    <p:tnLst>
+      <p:par>
+        <p:cTn id="1" dur="indefinite" restart="never" nodeType="tmRoot"/>
+      </p:par>
+    </p:tnLst>
+  </p:timing>
 </p:sld>
 </file>
 
@@ -5300,6 +5419,402 @@
         </p:nvSpPr>
         <p:spPr>
           <a:xfrm>
+            <a:off x="1357290" y="285728"/>
+            <a:ext cx="8229600" cy="1143000"/>
+          </a:xfrm>
+        </p:spPr>
+        <p:txBody>
+          <a:bodyPr>
+            <a:normAutofit fontScale="90000"/>
+          </a:bodyPr>
+          <a:lstStyle/>
+          <a:p>
+            <a:r>
+              <a:rPr lang="es-ES" b="1" dirty="0" smtClean="0"/>
+              <a:t>Representación gráfica del quinto modelo</a:t>
+            </a:r>
+            <a:endParaRPr lang="es-ES" dirty="0"/>
+          </a:p>
+        </p:txBody>
+      </p:sp>
+      <p:pic>
+        <p:nvPicPr>
+          <p:cNvPr id="6" name="5 Marcador de contenido" descr="modeloinf_5.png"/>
+          <p:cNvPicPr>
+            <a:picLocks noGrp="1" noChangeAspect="1"/>
+          </p:cNvPicPr>
+          <p:nvPr>
+            <p:ph idx="1"/>
+          </p:nvPr>
+        </p:nvPicPr>
+        <p:blipFill>
+          <a:blip r:embed="rId3"/>
+          <a:stretch>
+            <a:fillRect/>
+          </a:stretch>
+        </p:blipFill>
+        <p:spPr>
+          <a:xfrm>
+            <a:off x="470675" y="1600200"/>
+            <a:ext cx="3529821" cy="4525963"/>
+          </a:xfrm>
+        </p:spPr>
+      </p:pic>
+      <p:sp>
+        <p:nvSpPr>
+          <p:cNvPr id="7" name="6 CuadroTexto"/>
+          <p:cNvSpPr txBox="1"/>
+          <p:nvPr/>
+        </p:nvSpPr>
+        <p:spPr>
+          <a:xfrm>
+            <a:off x="4143373" y="1428736"/>
+            <a:ext cx="5000627" cy="5632311"/>
+          </a:xfrm>
+          <a:prstGeom prst="rect">
+            <a:avLst/>
+          </a:prstGeom>
+          <a:noFill/>
+        </p:spPr>
+        <p:txBody>
+          <a:bodyPr wrap="square" rtlCol="0">
+            <a:spAutoFit/>
+          </a:bodyPr>
+          <a:lstStyle/>
+          <a:p>
+            <a:pPr algn="just"/>
+            <a:r>
+              <a:rPr lang="es-ES" b="1" dirty="0" smtClean="0"/>
+              <a:t>Alta Retención</a:t>
+            </a:r>
+            <a:r>
+              <a:rPr lang="es-ES" dirty="0" smtClean="0"/>
+              <a:t>: La retención del </a:t>
+            </a:r>
+            <a:r>
+              <a:rPr lang="es-ES" b="1" dirty="0" smtClean="0"/>
+              <a:t>80.72%</a:t>
+            </a:r>
+            <a:r>
+              <a:rPr lang="es-ES" dirty="0" smtClean="0"/>
+              <a:t> de los votantes de 2019 muestra una base electoral sólida y leal para la CUP.</a:t>
+            </a:r>
+          </a:p>
+          <a:p>
+            <a:pPr algn="just"/>
+            <a:r>
+              <a:rPr lang="es-ES" b="1" dirty="0" smtClean="0"/>
+              <a:t>Transferencias Positivas desde </a:t>
+            </a:r>
+            <a:r>
+              <a:rPr lang="es-ES" b="1" dirty="0" err="1" smtClean="0"/>
+              <a:t>Junts</a:t>
+            </a:r>
+            <a:r>
+              <a:rPr lang="es-ES" dirty="0" smtClean="0"/>
+              <a:t>: La transferencia del </a:t>
+            </a:r>
+            <a:r>
+              <a:rPr lang="es-ES" b="1" dirty="0" smtClean="0"/>
+              <a:t>8.05%</a:t>
+            </a:r>
+            <a:r>
+              <a:rPr lang="es-ES" dirty="0" smtClean="0"/>
+              <a:t> de los votos de </a:t>
+            </a:r>
+            <a:r>
+              <a:rPr lang="es-ES" dirty="0" err="1" smtClean="0"/>
+              <a:t>Junts</a:t>
+            </a:r>
+            <a:r>
+              <a:rPr lang="es-ES" dirty="0" smtClean="0"/>
+              <a:t> a la CUP indica que la CUP está atrayendo a votantes de un partido con una orientación similar en el espectro independentista.</a:t>
+            </a:r>
+          </a:p>
+          <a:p>
+            <a:pPr algn="just"/>
+            <a:r>
+              <a:rPr lang="es-ES" b="1" dirty="0" smtClean="0"/>
+              <a:t>Movilización de Abstencionistas</a:t>
+            </a:r>
+            <a:r>
+              <a:rPr lang="es-ES" dirty="0" smtClean="0"/>
+              <a:t>: La capacidad de la CUP para atraer casi un </a:t>
+            </a:r>
+            <a:r>
+              <a:rPr lang="es-ES" b="1" dirty="0" smtClean="0"/>
+              <a:t>19%</a:t>
+            </a:r>
+            <a:r>
+              <a:rPr lang="es-ES" dirty="0" smtClean="0"/>
+              <a:t> de los votantes que se habían abstenido en las elecciones de 2019 es significativa. Esto podría indicar un mensaje o campaña que resonó bien entre aquellos que estaban desencantados con la política en 2019.</a:t>
+            </a:r>
+          </a:p>
+          <a:p>
+            <a:pPr algn="just"/>
+            <a:r>
+              <a:rPr lang="es-ES" b="1" dirty="0" smtClean="0"/>
+              <a:t>Impacto de los Nuevos Partidos</a:t>
+            </a:r>
+            <a:r>
+              <a:rPr lang="es-ES" dirty="0" smtClean="0"/>
+              <a:t>: La falta de transferencia de votos desde ACTIVEM, ARA-PL, o VOX sugiere que estos nuevos partidos no han afectado significativamente a la CUP en términos de ganancia o pérdida de votos.</a:t>
+            </a:r>
+          </a:p>
+          <a:p>
+            <a:endParaRPr lang="es-ES" dirty="0"/>
+          </a:p>
+        </p:txBody>
+      </p:sp>
+    </p:spTree>
+  </p:cSld>
+  <p:clrMapOvr>
+    <a:masterClrMapping/>
+  </p:clrMapOvr>
+  <p:timing>
+    <p:tnLst>
+      <p:par>
+        <p:cTn id="1" dur="indefinite" restart="never" nodeType="tmRoot"/>
+      </p:par>
+    </p:tnLst>
+  </p:timing>
+</p:sld>
+</file>
+
+<file path=ppt/slides/slide23.xml><?xml version="1.0" encoding="utf-8"?>
+<p:sld xmlns:a="http://schemas.openxmlformats.org/drawingml/2006/main" xmlns:r="http://schemas.openxmlformats.org/officeDocument/2006/relationships" xmlns:p="http://schemas.openxmlformats.org/presentationml/2006/main">
+  <p:cSld>
+    <p:spTree>
+      <p:nvGrpSpPr>
+        <p:cNvPr id="1" name=""/>
+        <p:cNvGrpSpPr/>
+        <p:nvPr/>
+      </p:nvGrpSpPr>
+      <p:grpSpPr>
+        <a:xfrm>
+          <a:off x="0" y="0"/>
+          <a:ext cx="0" cy="0"/>
+          <a:chOff x="0" y="0"/>
+          <a:chExt cx="0" cy="0"/>
+        </a:xfrm>
+      </p:grpSpPr>
+      <p:pic>
+        <p:nvPicPr>
+          <p:cNvPr id="4" name="3 Marcador de contenido" descr="slide 1.png"/>
+          <p:cNvPicPr>
+            <a:picLocks noChangeAspect="1"/>
+          </p:cNvPicPr>
+          <p:nvPr/>
+        </p:nvPicPr>
+        <p:blipFill>
+          <a:blip r:embed="rId2">
+            <a:lum bright="62000" contrast="-51000"/>
+          </a:blip>
+          <a:stretch>
+            <a:fillRect/>
+          </a:stretch>
+        </p:blipFill>
+        <p:spPr>
+          <a:xfrm>
+            <a:off x="0" y="0"/>
+            <a:ext cx="10583898" cy="6858000"/>
+          </a:xfrm>
+          <a:prstGeom prst="rect">
+            <a:avLst/>
+          </a:prstGeom>
+        </p:spPr>
+      </p:pic>
+      <p:sp>
+        <p:nvSpPr>
+          <p:cNvPr id="2" name="1 Título"/>
+          <p:cNvSpPr>
+            <a:spLocks noGrp="1"/>
+          </p:cNvSpPr>
+          <p:nvPr>
+            <p:ph type="title"/>
+          </p:nvPr>
+        </p:nvSpPr>
+        <p:spPr>
+          <a:xfrm>
+            <a:off x="914400" y="285728"/>
+            <a:ext cx="8229600" cy="1143000"/>
+          </a:xfrm>
+        </p:spPr>
+        <p:txBody>
+          <a:bodyPr>
+            <a:normAutofit/>
+          </a:bodyPr>
+          <a:lstStyle/>
+          <a:p>
+            <a:r>
+              <a:rPr lang="es-ES" sz="4000" b="1" dirty="0" smtClean="0"/>
+              <a:t>Conclusiones generales</a:t>
+            </a:r>
+            <a:endParaRPr lang="es-ES" sz="4000" b="1" dirty="0"/>
+          </a:p>
+        </p:txBody>
+      </p:sp>
+      <p:sp>
+        <p:nvSpPr>
+          <p:cNvPr id="5" name="4 Marcador de contenido"/>
+          <p:cNvSpPr>
+            <a:spLocks noGrp="1"/>
+          </p:cNvSpPr>
+          <p:nvPr>
+            <p:ph idx="1"/>
+          </p:nvPr>
+        </p:nvSpPr>
+        <p:spPr>
+          <a:xfrm>
+            <a:off x="457200" y="1600200"/>
+            <a:ext cx="8686800" cy="4525963"/>
+          </a:xfrm>
+        </p:spPr>
+        <p:txBody>
+          <a:bodyPr>
+            <a:normAutofit fontScale="92500" lnSpcReduction="20000"/>
+          </a:bodyPr>
+          <a:lstStyle/>
+          <a:p>
+            <a:pPr algn="just"/>
+            <a:r>
+              <a:rPr lang="es-ES" dirty="0" smtClean="0"/>
+              <a:t>Gran lealtad de la base electoral de la CUP.</a:t>
+            </a:r>
+          </a:p>
+          <a:p>
+            <a:pPr algn="just"/>
+            <a:r>
+              <a:rPr lang="es-ES" dirty="0" smtClean="0"/>
+              <a:t>Alta competencia entre las fuerzas nacionalistas, especialmente entre </a:t>
+            </a:r>
+            <a:r>
+              <a:rPr lang="es-ES" dirty="0" err="1" smtClean="0"/>
+              <a:t>Junts</a:t>
+            </a:r>
+            <a:r>
+              <a:rPr lang="es-ES" dirty="0" smtClean="0"/>
+              <a:t> y CUP.</a:t>
+            </a:r>
+          </a:p>
+          <a:p>
+            <a:pPr algn="just"/>
+            <a:r>
+              <a:rPr lang="es-ES" dirty="0" smtClean="0"/>
+              <a:t>Capacidad de la CUP para atraer abstencionistas.</a:t>
+            </a:r>
+          </a:p>
+          <a:p>
+            <a:pPr algn="just"/>
+            <a:r>
+              <a:rPr lang="es-ES" dirty="0" smtClean="0"/>
+              <a:t>Gran importancia del eje </a:t>
+            </a:r>
+            <a:r>
+              <a:rPr lang="es-ES" dirty="0" err="1" smtClean="0"/>
+              <a:t>etnonacional</a:t>
+            </a:r>
+            <a:r>
+              <a:rPr lang="es-ES" dirty="0" smtClean="0"/>
+              <a:t>. Voto </a:t>
+            </a:r>
+            <a:r>
+              <a:rPr lang="es-ES" dirty="0" err="1" smtClean="0"/>
+              <a:t>etnificado</a:t>
+            </a:r>
+            <a:r>
+              <a:rPr lang="es-ES" dirty="0" smtClean="0"/>
+              <a:t>, especialmente en los casos de PSC y </a:t>
+            </a:r>
+            <a:r>
+              <a:rPr lang="es-ES" dirty="0" err="1" smtClean="0"/>
+              <a:t>Junts</a:t>
+            </a:r>
+            <a:r>
+              <a:rPr lang="es-ES" dirty="0" smtClean="0"/>
+              <a:t>.</a:t>
+            </a:r>
+          </a:p>
+          <a:p>
+            <a:pPr algn="just"/>
+            <a:r>
+              <a:rPr lang="es-ES" dirty="0" smtClean="0"/>
+              <a:t>Papel decisivo de factores cualitativos: campaña y lista electoral (especialmente, del o la cabeza de lista).</a:t>
+            </a:r>
+            <a:endParaRPr lang="es-ES" dirty="0"/>
+          </a:p>
+        </p:txBody>
+      </p:sp>
+    </p:spTree>
+  </p:cSld>
+  <p:clrMapOvr>
+    <a:masterClrMapping/>
+  </p:clrMapOvr>
+  <p:timing>
+    <p:tnLst>
+      <p:par>
+        <p:cTn id="1" dur="indefinite" restart="never" nodeType="tmRoot"/>
+      </p:par>
+    </p:tnLst>
+  </p:timing>
+</p:sld>
+</file>
+
+<file path=ppt/slides/slide24.xml><?xml version="1.0" encoding="utf-8"?>
+<p:sld xmlns:a="http://schemas.openxmlformats.org/drawingml/2006/main" xmlns:r="http://schemas.openxmlformats.org/officeDocument/2006/relationships" xmlns:p="http://schemas.openxmlformats.org/presentationml/2006/main">
+  <p:cSld>
+    <p:spTree>
+      <p:nvGrpSpPr>
+        <p:cNvPr id="1" name=""/>
+        <p:cNvGrpSpPr/>
+        <p:nvPr/>
+      </p:nvGrpSpPr>
+      <p:grpSpPr>
+        <a:xfrm>
+          <a:off x="0" y="0"/>
+          <a:ext cx="0" cy="0"/>
+          <a:chOff x="0" y="0"/>
+          <a:chExt cx="0" cy="0"/>
+        </a:xfrm>
+      </p:grpSpPr>
+      <p:pic>
+        <p:nvPicPr>
+          <p:cNvPr id="4" name="3 Marcador de contenido" descr="slide 1.png"/>
+          <p:cNvPicPr>
+            <a:picLocks noChangeAspect="1"/>
+          </p:cNvPicPr>
+          <p:nvPr/>
+        </p:nvPicPr>
+        <p:blipFill>
+          <a:blip r:embed="rId2">
+            <a:lum bright="62000" contrast="-51000"/>
+          </a:blip>
+          <a:stretch>
+            <a:fillRect/>
+          </a:stretch>
+        </p:blipFill>
+        <p:spPr>
+          <a:xfrm>
+            <a:off x="0" y="0"/>
+            <a:ext cx="10583898" cy="6858000"/>
+          </a:xfrm>
+          <a:prstGeom prst="rect">
+            <a:avLst/>
+          </a:prstGeom>
+        </p:spPr>
+      </p:pic>
+      <p:sp>
+        <p:nvSpPr>
+          <p:cNvPr id="2" name="1 Título"/>
+          <p:cNvSpPr>
+            <a:spLocks noGrp="1"/>
+          </p:cNvSpPr>
+          <p:nvPr>
+            <p:ph type="title"/>
+          </p:nvPr>
+        </p:nvSpPr>
+        <p:spPr>
+          <a:xfrm>
             <a:off x="914400" y="571480"/>
             <a:ext cx="8229600" cy="2143140"/>
           </a:xfrm>
@@ -5374,6 +5889,13 @@
   <p:clrMapOvr>
     <a:masterClrMapping/>
   </p:clrMapOvr>
+  <p:timing>
+    <p:tnLst>
+      <p:par>
+        <p:cTn id="1" dur="indefinite" restart="never" nodeType="tmRoot"/>
+      </p:par>
+    </p:tnLst>
+  </p:timing>
 </p:sld>
 </file>
 
@@ -5489,6 +6011,13 @@
   <p:clrMapOvr>
     <a:masterClrMapping/>
   </p:clrMapOvr>
+  <p:timing>
+    <p:tnLst>
+      <p:par>
+        <p:cTn id="1" dur="indefinite" restart="never" nodeType="tmRoot"/>
+      </p:par>
+    </p:tnLst>
+  </p:timing>
 </p:sld>
 </file>
 
@@ -5617,6 +6146,13 @@
   <p:clrMapOvr>
     <a:masterClrMapping/>
   </p:clrMapOvr>
+  <p:timing>
+    <p:tnLst>
+      <p:par>
+        <p:cTn id="1" dur="indefinite" restart="never" nodeType="tmRoot"/>
+      </p:par>
+    </p:tnLst>
+  </p:timing>
 </p:sld>
 </file>
 
@@ -5824,6 +6360,13 @@
   <p:clrMapOvr>
     <a:masterClrMapping/>
   </p:clrMapOvr>
+  <p:timing>
+    <p:tnLst>
+      <p:par>
+        <p:cTn id="1" dur="indefinite" restart="never" nodeType="tmRoot"/>
+      </p:par>
+    </p:tnLst>
+  </p:timing>
 </p:sld>
 </file>
 
@@ -5935,6 +6478,13 @@
   <p:clrMapOvr>
     <a:masterClrMapping/>
   </p:clrMapOvr>
+  <p:timing>
+    <p:tnLst>
+      <p:par>
+        <p:cTn id="1" dur="indefinite" restart="never" nodeType="tmRoot"/>
+      </p:par>
+    </p:tnLst>
+  </p:timing>
 </p:sld>
 </file>
 
@@ -6022,7 +6572,7 @@
         <p:spPr>
           <a:xfrm>
             <a:off x="642910" y="1714488"/>
-            <a:ext cx="9286940" cy="4524315"/>
+            <a:ext cx="8501090" cy="4524315"/>
           </a:xfrm>
           <a:prstGeom prst="rect">
             <a:avLst/>
@@ -6103,6 +6653,13 @@
   <p:clrMapOvr>
     <a:masterClrMapping/>
   </p:clrMapOvr>
+  <p:timing>
+    <p:tnLst>
+      <p:par>
+        <p:cTn id="1" dur="indefinite" restart="never" nodeType="tmRoot"/>
+      </p:par>
+    </p:tnLst>
+  </p:timing>
 </p:sld>
 </file>
 
@@ -6168,7 +6725,7 @@
         <p:spPr>
           <a:xfrm>
             <a:off x="642911" y="642918"/>
-            <a:ext cx="9286940" cy="5786478"/>
+            <a:ext cx="8143931" cy="5786478"/>
           </a:xfrm>
         </p:spPr>
       </p:pic>
@@ -6207,6 +6764,13 @@
   <p:clrMapOvr>
     <a:masterClrMapping/>
   </p:clrMapOvr>
+  <p:timing>
+    <p:tnLst>
+      <p:par>
+        <p:cTn id="1" dur="indefinite" restart="never" nodeType="tmRoot"/>
+      </p:par>
+    </p:tnLst>
+  </p:timing>
 </p:sld>
 </file>
 
@@ -6265,7 +6829,7 @@
         </p:nvSpPr>
         <p:spPr>
           <a:xfrm>
-            <a:off x="457200" y="274638"/>
+            <a:off x="500034" y="357166"/>
             <a:ext cx="9472650" cy="725470"/>
           </a:xfrm>
         </p:spPr>
@@ -6296,236 +6860,110 @@
         <p:spPr>
           <a:xfrm>
             <a:off x="457200" y="1000108"/>
-            <a:ext cx="9615526" cy="5572164"/>
+            <a:ext cx="8115328" cy="5429288"/>
           </a:xfrm>
         </p:spPr>
         <p:txBody>
           <a:bodyPr>
-            <a:normAutofit fontScale="25000" lnSpcReduction="20000"/>
+            <a:normAutofit fontScale="92500" lnSpcReduction="20000"/>
           </a:bodyPr>
           <a:lstStyle/>
           <a:p>
+            <a:pPr algn="just">
+              <a:buNone/>
+            </a:pPr>
+            <a:r>
+              <a:rPr lang="es-ES" sz="1600" dirty="0" smtClean="0"/>
+              <a:t/>
+            </a:r>
+            <a:br>
+              <a:rPr lang="es-ES" sz="1600" dirty="0" smtClean="0"/>
+            </a:br>
+            <a:r>
+              <a:rPr lang="es-ES" sz="2700" b="1" dirty="0" smtClean="0"/>
+              <a:t>JUNTS23</a:t>
+            </a:r>
+            <a:r>
+              <a:rPr lang="es-ES" sz="2700" dirty="0" smtClean="0"/>
+              <a:t>: Fuerte apoyo en las secciones de habla catalana, algo menor en las mixtas. Mucho menor en las de habla castellana</a:t>
+            </a:r>
+          </a:p>
+          <a:p>
+            <a:pPr algn="just">
+              <a:buNone/>
+            </a:pPr>
+            <a:r>
+              <a:rPr lang="es-ES" sz="2700" dirty="0" smtClean="0"/>
+              <a:t/>
+            </a:r>
+            <a:br>
+              <a:rPr lang="es-ES" sz="2700" dirty="0" smtClean="0"/>
+            </a:br>
+            <a:r>
+              <a:rPr lang="es-ES" sz="2700" b="1" dirty="0" smtClean="0"/>
+              <a:t>ERC23</a:t>
+            </a:r>
+            <a:r>
+              <a:rPr lang="es-ES" sz="2700" dirty="0" smtClean="0"/>
+              <a:t>: Resultados moderadamente positivos en secciones mixtas y catalanoparlantes (una ligera ventaja de las primeras). Peores en las secciones de habla castellana.</a:t>
+            </a:r>
+          </a:p>
+          <a:p>
+            <a:pPr algn="just">
+              <a:buNone/>
+            </a:pPr>
+            <a:r>
+              <a:rPr lang="es-ES" sz="2700" dirty="0" smtClean="0"/>
+              <a:t/>
+            </a:r>
+            <a:br>
+              <a:rPr lang="es-ES" sz="2700" dirty="0" smtClean="0"/>
+            </a:br>
+            <a:r>
+              <a:rPr lang="es-ES" sz="2700" b="1" dirty="0" smtClean="0"/>
+              <a:t>PSC23</a:t>
+            </a:r>
+            <a:r>
+              <a:rPr lang="es-ES" sz="2700" dirty="0" smtClean="0"/>
+              <a:t>: Buenos resultados en las zonas castellanoparlantes, mucho peores en las zonas de habla catalana. Resultados moderados en las zonas mixtas.</a:t>
+            </a:r>
+          </a:p>
+          <a:p>
+            <a:pPr algn="just">
+              <a:buNone/>
+            </a:pPr>
+            <a:r>
+              <a:rPr lang="es-ES" sz="2700" dirty="0" smtClean="0"/>
+              <a:t/>
+            </a:r>
+            <a:br>
+              <a:rPr lang="es-ES" sz="2700" dirty="0" smtClean="0"/>
+            </a:br>
+            <a:r>
+              <a:rPr lang="es-ES" sz="2700" b="1" dirty="0" smtClean="0"/>
+              <a:t>CUP23</a:t>
+            </a:r>
+            <a:r>
+              <a:rPr lang="es-ES" sz="2700" dirty="0" smtClean="0"/>
+              <a:t>: Buenos resultados en zonas mixtas y catalanoparlantes, peores en las zonas de habla castellana</a:t>
+            </a:r>
+            <a:r>
+              <a:rPr lang="es-ES" sz="1600" dirty="0" smtClean="0"/>
+              <a:t>. </a:t>
+            </a:r>
+          </a:p>
+          <a:p>
             <a:pPr>
               <a:buNone/>
             </a:pPr>
             <a:r>
-              <a:rPr lang="es-ES" sz="5600" dirty="0" smtClean="0"/>
+              <a:rPr lang="es-ES" sz="1600" b="1" dirty="0" smtClean="0"/>
               <a:t/>
             </a:r>
             <a:br>
-              <a:rPr lang="es-ES" sz="5600" dirty="0" smtClean="0"/>
+              <a:rPr lang="es-ES" sz="1600" b="1" dirty="0" smtClean="0"/>
             </a:br>
-            <a:r>
-              <a:rPr lang="es-ES" sz="5600" b="1" dirty="0" smtClean="0"/>
-              <a:t>JUNTS23</a:t>
-            </a:r>
-            <a:r>
-              <a:rPr lang="es-ES" sz="5600" dirty="0" smtClean="0"/>
-              <a:t>: Fuerte apoyo en las secciones de habla catalana, algo menor en las mixtas. Mucho menor en las de habla castellana</a:t>
-            </a:r>
-          </a:p>
-          <a:p>
-            <a:pPr>
-              <a:buNone/>
-            </a:pPr>
-            <a:r>
-              <a:rPr lang="es-ES" sz="5600" dirty="0" smtClean="0"/>
-              <a:t/>
-            </a:r>
-            <a:br>
-              <a:rPr lang="es-ES" sz="5600" dirty="0" smtClean="0"/>
-            </a:br>
-            <a:r>
-              <a:rPr lang="es-ES" sz="5600" b="1" dirty="0" smtClean="0"/>
-              <a:t>ERC23</a:t>
-            </a:r>
-            <a:r>
-              <a:rPr lang="es-ES" sz="5600" dirty="0" smtClean="0"/>
-              <a:t>: Resultados moderadamente positivos en secciones mixtas y catalanoparlantes (una ligera ventaja de las primeras). Peores en las secciones de habla castellana.</a:t>
-            </a:r>
-          </a:p>
-          <a:p>
-            <a:pPr>
-              <a:buNone/>
-            </a:pPr>
-            <a:r>
-              <a:rPr lang="es-ES" sz="5600" dirty="0" smtClean="0"/>
-              <a:t/>
-            </a:r>
-            <a:br>
-              <a:rPr lang="es-ES" sz="5600" dirty="0" smtClean="0"/>
-            </a:br>
-            <a:r>
-              <a:rPr lang="es-ES" sz="5600" b="1" dirty="0" smtClean="0"/>
-              <a:t>PSC23</a:t>
-            </a:r>
-            <a:r>
-              <a:rPr lang="es-ES" sz="5600" dirty="0" smtClean="0"/>
-              <a:t>: Buenos resultados en las zonas castellanoparlantes, mucho peores en las zonas de habla catalana. Resultados moderados en las zonas mixtas.</a:t>
-            </a:r>
-          </a:p>
-          <a:p>
-            <a:pPr>
-              <a:buNone/>
-            </a:pPr>
-            <a:r>
-              <a:rPr lang="es-ES" sz="5600" dirty="0" smtClean="0"/>
-              <a:t/>
-            </a:r>
-            <a:br>
-              <a:rPr lang="es-ES" sz="5600" dirty="0" smtClean="0"/>
-            </a:br>
-            <a:r>
-              <a:rPr lang="es-ES" sz="5600" b="1" dirty="0" smtClean="0"/>
-              <a:t>CUP23</a:t>
-            </a:r>
-            <a:r>
-              <a:rPr lang="es-ES" sz="5600" dirty="0" smtClean="0"/>
-              <a:t>: Buenos resultados en zonas mixtas y catalanoparlantes, peores en las zonas de habla castellana. </a:t>
-            </a:r>
-          </a:p>
-          <a:p>
-            <a:pPr>
-              <a:buNone/>
-            </a:pPr>
-            <a:r>
-              <a:rPr lang="es-ES" sz="5600" b="1" dirty="0" smtClean="0"/>
-              <a:t/>
-            </a:r>
-            <a:br>
-              <a:rPr lang="es-ES" sz="5600" b="1" dirty="0" smtClean="0"/>
-            </a:br>
-            <a:r>
-              <a:rPr lang="es-ES" sz="5600" b="1" dirty="0" smtClean="0"/>
-              <a:t>ECP23</a:t>
-            </a:r>
-            <a:r>
-              <a:rPr lang="es-ES" sz="5600" dirty="0" smtClean="0"/>
-              <a:t>: Los mejores resultados se dan en zonas mixtas y catalanoparlantes.</a:t>
-            </a:r>
-          </a:p>
-          <a:p>
-            <a:pPr>
-              <a:buNone/>
-            </a:pPr>
-            <a:r>
-              <a:rPr lang="es-ES" sz="5600" dirty="0" smtClean="0"/>
-              <a:t/>
-            </a:r>
-            <a:br>
-              <a:rPr lang="es-ES" sz="5600" dirty="0" smtClean="0"/>
-            </a:br>
-            <a:r>
-              <a:rPr lang="es-ES" sz="5600" b="1" dirty="0" smtClean="0"/>
-              <a:t>ACTIVEM23</a:t>
-            </a:r>
-            <a:r>
-              <a:rPr lang="es-ES" sz="5600" dirty="0" smtClean="0"/>
-              <a:t>: Cantidad moderada de votos en zonas mixtas y castellanoparlantes, algo peores en zonas de habla catalana.</a:t>
-            </a:r>
-          </a:p>
-          <a:p>
-            <a:pPr>
-              <a:buNone/>
-            </a:pPr>
-            <a:r>
-              <a:rPr lang="es-ES" sz="5600" b="1" dirty="0" smtClean="0"/>
-              <a:t/>
-            </a:r>
-            <a:br>
-              <a:rPr lang="es-ES" sz="5600" b="1" dirty="0" smtClean="0"/>
-            </a:br>
-            <a:r>
-              <a:rPr lang="es-ES" sz="5600" dirty="0" smtClean="0"/>
-              <a:t>ARA-PL23: Distribución bastante uniforme en todas las secciones, algo peores en zonas de habla catalana.</a:t>
-            </a:r>
-          </a:p>
-          <a:p>
-            <a:pPr>
-              <a:buNone/>
-            </a:pPr>
-            <a:r>
-              <a:rPr lang="es-ES" sz="5600" dirty="0" smtClean="0"/>
-              <a:t/>
-            </a:r>
-            <a:br>
-              <a:rPr lang="es-ES" sz="5600" dirty="0" smtClean="0"/>
-            </a:br>
-            <a:r>
-              <a:rPr lang="es-ES" sz="5600" b="1" dirty="0" smtClean="0"/>
-              <a:t>VOX23</a:t>
-            </a:r>
-            <a:r>
-              <a:rPr lang="es-ES" sz="5600" dirty="0" smtClean="0"/>
-              <a:t>: Muy desigual, desempeño mucho mejor en las zonas de habla castellana.</a:t>
-            </a:r>
-          </a:p>
-          <a:p>
-            <a:pPr>
-              <a:buNone/>
-            </a:pPr>
-            <a:r>
-              <a:rPr lang="es-ES" sz="6400" b="1" dirty="0" smtClean="0"/>
-              <a:t/>
-            </a:r>
-            <a:br>
-              <a:rPr lang="es-ES" sz="6400" b="1" dirty="0" smtClean="0"/>
-            </a:br>
-            <a:r>
-              <a:rPr lang="es-ES" sz="6400" b="1" dirty="0" smtClean="0"/>
-              <a:t>Conclusiones:</a:t>
-            </a:r>
-          </a:p>
-          <a:p>
-            <a:pPr>
-              <a:buNone/>
-            </a:pPr>
-            <a:r>
-              <a:rPr lang="es-ES" sz="5600" dirty="0" smtClean="0"/>
-              <a:t/>
-            </a:r>
-            <a:br>
-              <a:rPr lang="es-ES" sz="5600" dirty="0" smtClean="0"/>
-            </a:br>
-            <a:r>
-              <a:rPr lang="es-ES" sz="5600" dirty="0" smtClean="0"/>
-              <a:t>Partidos nacionalistas catalanes (JUNTS, ERC, CUP) tienen un apoyo más fuerte en las secciones con predominio del catalán o mixto, y menos en las de predominio castellano.</a:t>
-            </a:r>
-          </a:p>
-          <a:p>
-            <a:pPr>
-              <a:buNone/>
-            </a:pPr>
-            <a:r>
-              <a:rPr lang="es-ES" sz="5600" dirty="0" smtClean="0"/>
-              <a:t/>
-            </a:r>
-            <a:br>
-              <a:rPr lang="es-ES" sz="5600" dirty="0" smtClean="0"/>
-            </a:br>
-            <a:r>
-              <a:rPr lang="es-ES" sz="5600" dirty="0" smtClean="0"/>
-              <a:t>PSC y VOX obtienen más votos en las secciones donde predomina el castellano, lo que refleja la demografía lingüística y su influencia en las preferencias electorales.</a:t>
-            </a:r>
-          </a:p>
-          <a:p>
-            <a:pPr>
-              <a:buNone/>
-            </a:pPr>
-            <a:r>
-              <a:rPr lang="es-ES" sz="5600" dirty="0" smtClean="0"/>
-              <a:t/>
-            </a:r>
-            <a:br>
-              <a:rPr lang="es-ES" sz="5600" dirty="0" smtClean="0"/>
-            </a:br>
-            <a:r>
-              <a:rPr lang="es-ES" sz="5600" dirty="0" smtClean="0"/>
-              <a:t>Partidos como ECP y ACTIVEM muestran una distribución más equilibrada en las diferentes zonas lingüísticas, aunque con ligeras variaciones.</a:t>
-            </a:r>
-          </a:p>
-          <a:p>
-            <a:endParaRPr lang="es-ES" sz="4800" dirty="0"/>
+            <a:endParaRPr lang="es-ES" sz="1600" dirty="0" smtClean="0"/>
           </a:p>
         </p:txBody>
       </p:sp>
@@ -6534,6 +6972,13 @@
   <p:clrMapOvr>
     <a:masterClrMapping/>
   </p:clrMapOvr>
+  <p:timing>
+    <p:tnLst>
+      <p:par>
+        <p:cTn id="1" dur="indefinite" restart="never" nodeType="tmRoot"/>
+      </p:par>
+    </p:tnLst>
+  </p:timing>
 </p:sld>
 </file>
 
